--- a/_memory/Memoria.pptx
+++ b/_memory/Memoria.pptx
@@ -5,8 +5,9 @@
     <p:sldMasterId id="2147483648" r:id="rId1"/>
   </p:sldMasterIdLst>
   <p:sldIdLst>
-    <p:sldId id="256" r:id="rId2"/>
-    <p:sldId id="257" r:id="rId3"/>
+    <p:sldId id="258" r:id="rId2"/>
+    <p:sldId id="256" r:id="rId3"/>
+    <p:sldId id="257" r:id="rId4"/>
   </p:sldIdLst>
   <p:sldSz cx="12192000" cy="6858000"/>
   <p:notesSz cx="6858000" cy="9144000"/>
@@ -105,7 +106,215 @@
       </a:defRPr>
     </a:lvl9pPr>
   </p:defaultTextStyle>
+  <p:extLst>
+    <p:ext uri="{EFAFB233-063F-42B5-8137-9DF3F51BA10A}">
+      <p15:sldGuideLst xmlns:p15="http://schemas.microsoft.com/office/powerpoint/2012/main"/>
+    </p:ext>
+  </p:extLst>
 </p:presentation>
+</file>
+
+<file path=ppt/revisionInfo.xml><?xml version="1.0" encoding="utf-8"?>
+<p1510:revInfo xmlns:a="http://schemas.openxmlformats.org/drawingml/2006/main" xmlns:r="http://schemas.openxmlformats.org/officeDocument/2006/relationships" xmlns:p1510="http://schemas.microsoft.com/office/powerpoint/2015/10/main">
+  <p1510:revLst>
+    <p1510:client id="{03CE4198-ADF5-2A42-A6AB-8D7BC650FE71}" v="15" dt="2023-03-17T11:23:12.349"/>
+  </p1510:revLst>
+</p1510:revInfo>
+</file>
+
+<file path=ppt/changesInfos/changesInfo1.xml><?xml version="1.0" encoding="utf-8"?>
+<pc:chgInfo xmlns:a="http://schemas.openxmlformats.org/drawingml/2006/main" xmlns:r="http://schemas.openxmlformats.org/officeDocument/2006/relationships" xmlns:ac="http://schemas.microsoft.com/office/drawing/2013/main/command" xmlns:pc="http://schemas.microsoft.com/office/powerpoint/2013/main/command">
+  <pc:docChgLst>
+    <pc:chgData name="Diego Picazo García" userId="2e6ed9c7-3c4c-4043-ad45-3687a72f673f" providerId="ADAL" clId="{03CE4198-ADF5-2A42-A6AB-8D7BC650FE71}"/>
+    <pc:docChg chg="undo custSel addSld modSld sldOrd">
+      <pc:chgData name="Diego Picazo García" userId="2e6ed9c7-3c4c-4043-ad45-3687a72f673f" providerId="ADAL" clId="{03CE4198-ADF5-2A42-A6AB-8D7BC650FE71}" dt="2023-03-17T11:24:21.400" v="1049" actId="1035"/>
+      <pc:docMkLst>
+        <pc:docMk/>
+      </pc:docMkLst>
+      <pc:sldChg chg="addSp delSp modSp mod modTransition">
+        <pc:chgData name="Diego Picazo García" userId="2e6ed9c7-3c4c-4043-ad45-3687a72f673f" providerId="ADAL" clId="{03CE4198-ADF5-2A42-A6AB-8D7BC650FE71}" dt="2023-03-17T11:08:42.819" v="609" actId="1037"/>
+        <pc:sldMkLst>
+          <pc:docMk/>
+          <pc:sldMk cId="1386632836" sldId="256"/>
+        </pc:sldMkLst>
+        <pc:spChg chg="add mod">
+          <ac:chgData name="Diego Picazo García" userId="2e6ed9c7-3c4c-4043-ad45-3687a72f673f" providerId="ADAL" clId="{03CE4198-ADF5-2A42-A6AB-8D7BC650FE71}" dt="2023-03-17T11:08:42.819" v="609" actId="1037"/>
+          <ac:spMkLst>
+            <pc:docMk/>
+            <pc:sldMk cId="1386632836" sldId="256"/>
+            <ac:spMk id="6" creationId="{F8BBC053-013B-B9CD-1CEC-72A2A0D0F30C}"/>
+          </ac:spMkLst>
+        </pc:spChg>
+        <pc:spChg chg="add del mod">
+          <ac:chgData name="Diego Picazo García" userId="2e6ed9c7-3c4c-4043-ad45-3687a72f673f" providerId="ADAL" clId="{03CE4198-ADF5-2A42-A6AB-8D7BC650FE71}" dt="2023-03-17T11:01:57.605" v="451" actId="478"/>
+          <ac:spMkLst>
+            <pc:docMk/>
+            <pc:sldMk cId="1386632836" sldId="256"/>
+            <ac:spMk id="7" creationId="{2BD2BA11-0ED4-CF1F-E54D-13569F4FA449}"/>
+          </ac:spMkLst>
+        </pc:spChg>
+        <pc:spChg chg="add del mod">
+          <ac:chgData name="Diego Picazo García" userId="2e6ed9c7-3c4c-4043-ad45-3687a72f673f" providerId="ADAL" clId="{03CE4198-ADF5-2A42-A6AB-8D7BC650FE71}" dt="2023-03-17T10:53:51.064" v="416" actId="478"/>
+          <ac:spMkLst>
+            <pc:docMk/>
+            <pc:sldMk cId="1386632836" sldId="256"/>
+            <ac:spMk id="8" creationId="{4B986AE2-605A-2FFC-C824-64E00EE111E5}"/>
+          </ac:spMkLst>
+        </pc:spChg>
+        <pc:spChg chg="add mod">
+          <ac:chgData name="Diego Picazo García" userId="2e6ed9c7-3c4c-4043-ad45-3687a72f673f" providerId="ADAL" clId="{03CE4198-ADF5-2A42-A6AB-8D7BC650FE71}" dt="2023-03-17T11:04:01.354" v="594" actId="313"/>
+          <ac:spMkLst>
+            <pc:docMk/>
+            <pc:sldMk cId="1386632836" sldId="256"/>
+            <ac:spMk id="9" creationId="{F50B74D1-D3C4-363B-6E67-387434CF9942}"/>
+          </ac:spMkLst>
+        </pc:spChg>
+        <pc:picChg chg="mod">
+          <ac:chgData name="Diego Picazo García" userId="2e6ed9c7-3c4c-4043-ad45-3687a72f673f" providerId="ADAL" clId="{03CE4198-ADF5-2A42-A6AB-8D7BC650FE71}" dt="2023-03-17T10:53:20.844" v="412" actId="1076"/>
+          <ac:picMkLst>
+            <pc:docMk/>
+            <pc:sldMk cId="1386632836" sldId="256"/>
+            <ac:picMk id="5" creationId="{A02FA91D-B24A-AFA1-0F3A-E7B5668F63C6}"/>
+          </ac:picMkLst>
+        </pc:picChg>
+      </pc:sldChg>
+      <pc:sldChg chg="addSp modSp mod modTransition">
+        <pc:chgData name="Diego Picazo García" userId="2e6ed9c7-3c4c-4043-ad45-3687a72f673f" providerId="ADAL" clId="{03CE4198-ADF5-2A42-A6AB-8D7BC650FE71}" dt="2023-03-17T11:09:52.823" v="751" actId="1076"/>
+        <pc:sldMkLst>
+          <pc:docMk/>
+          <pc:sldMk cId="2569565300" sldId="257"/>
+        </pc:sldMkLst>
+        <pc:spChg chg="add mod">
+          <ac:chgData name="Diego Picazo García" userId="2e6ed9c7-3c4c-4043-ad45-3687a72f673f" providerId="ADAL" clId="{03CE4198-ADF5-2A42-A6AB-8D7BC650FE71}" dt="2023-03-17T11:08:29.820" v="604" actId="1037"/>
+          <ac:spMkLst>
+            <pc:docMk/>
+            <pc:sldMk cId="2569565300" sldId="257"/>
+            <ac:spMk id="2" creationId="{57756C93-9D81-7D0D-2834-141BF55E261A}"/>
+          </ac:spMkLst>
+        </pc:spChg>
+        <pc:spChg chg="add mod">
+          <ac:chgData name="Diego Picazo García" userId="2e6ed9c7-3c4c-4043-ad45-3687a72f673f" providerId="ADAL" clId="{03CE4198-ADF5-2A42-A6AB-8D7BC650FE71}" dt="2023-03-17T11:09:52.823" v="751" actId="1076"/>
+          <ac:spMkLst>
+            <pc:docMk/>
+            <pc:sldMk cId="2569565300" sldId="257"/>
+            <ac:spMk id="4" creationId="{3079E69A-228A-394B-9C78-31EA15DBE25B}"/>
+          </ac:spMkLst>
+        </pc:spChg>
+        <pc:picChg chg="mod">
+          <ac:chgData name="Diego Picazo García" userId="2e6ed9c7-3c4c-4043-ad45-3687a72f673f" providerId="ADAL" clId="{03CE4198-ADF5-2A42-A6AB-8D7BC650FE71}" dt="2023-03-17T11:03:07.468" v="580" actId="14100"/>
+          <ac:picMkLst>
+            <pc:docMk/>
+            <pc:sldMk cId="2569565300" sldId="257"/>
+            <ac:picMk id="3" creationId="{9AA207EA-CD1B-3C8F-40E4-D6006E8F8017}"/>
+          </ac:picMkLst>
+        </pc:picChg>
+        <pc:picChg chg="add mod">
+          <ac:chgData name="Diego Picazo García" userId="2e6ed9c7-3c4c-4043-ad45-3687a72f673f" providerId="ADAL" clId="{03CE4198-ADF5-2A42-A6AB-8D7BC650FE71}" dt="2023-03-17T11:03:04.835" v="579" actId="14100"/>
+          <ac:picMkLst>
+            <pc:docMk/>
+            <pc:sldMk cId="2569565300" sldId="257"/>
+            <ac:picMk id="6" creationId="{24F8EF77-E146-203D-B2D6-FC63FF23E0BC}"/>
+          </ac:picMkLst>
+        </pc:picChg>
+      </pc:sldChg>
+      <pc:sldChg chg="addSp delSp modSp new mod ord setBg">
+        <pc:chgData name="Diego Picazo García" userId="2e6ed9c7-3c4c-4043-ad45-3687a72f673f" providerId="ADAL" clId="{03CE4198-ADF5-2A42-A6AB-8D7BC650FE71}" dt="2023-03-17T11:24:21.400" v="1049" actId="1035"/>
+        <pc:sldMkLst>
+          <pc:docMk/>
+          <pc:sldMk cId="4280460112" sldId="258"/>
+        </pc:sldMkLst>
+        <pc:spChg chg="del">
+          <ac:chgData name="Diego Picazo García" userId="2e6ed9c7-3c4c-4043-ad45-3687a72f673f" providerId="ADAL" clId="{03CE4198-ADF5-2A42-A6AB-8D7BC650FE71}" dt="2023-03-17T11:10:34.394" v="754" actId="478"/>
+          <ac:spMkLst>
+            <pc:docMk/>
+            <pc:sldMk cId="4280460112" sldId="258"/>
+            <ac:spMk id="2" creationId="{1B0A803F-EF61-30C1-0CF3-F402157190E7}"/>
+          </ac:spMkLst>
+        </pc:spChg>
+        <pc:spChg chg="del">
+          <ac:chgData name="Diego Picazo García" userId="2e6ed9c7-3c4c-4043-ad45-3687a72f673f" providerId="ADAL" clId="{03CE4198-ADF5-2A42-A6AB-8D7BC650FE71}" dt="2023-03-17T11:10:36.012" v="755" actId="478"/>
+          <ac:spMkLst>
+            <pc:docMk/>
+            <pc:sldMk cId="4280460112" sldId="258"/>
+            <ac:spMk id="3" creationId="{E78F1502-6F6D-D94A-7C15-FC7446FFD1E9}"/>
+          </ac:spMkLst>
+        </pc:spChg>
+        <pc:spChg chg="add mod">
+          <ac:chgData name="Diego Picazo García" userId="2e6ed9c7-3c4c-4043-ad45-3687a72f673f" providerId="ADAL" clId="{03CE4198-ADF5-2A42-A6AB-8D7BC650FE71}" dt="2023-03-17T11:19:12.285" v="990" actId="2711"/>
+          <ac:spMkLst>
+            <pc:docMk/>
+            <pc:sldMk cId="4280460112" sldId="258"/>
+            <ac:spMk id="6" creationId="{0F9B7BE4-FA6D-E50B-564A-E920ED9ACB6E}"/>
+          </ac:spMkLst>
+        </pc:spChg>
+        <pc:spChg chg="add">
+          <ac:chgData name="Diego Picazo García" userId="2e6ed9c7-3c4c-4043-ad45-3687a72f673f" providerId="ADAL" clId="{03CE4198-ADF5-2A42-A6AB-8D7BC650FE71}" dt="2023-03-17T11:13:21.554" v="760" actId="26606"/>
+          <ac:spMkLst>
+            <pc:docMk/>
+            <pc:sldMk cId="4280460112" sldId="258"/>
+            <ac:spMk id="10" creationId="{0B761509-3B9A-49A6-A84B-C3D86811697D}"/>
+          </ac:spMkLst>
+        </pc:spChg>
+        <pc:spChg chg="add">
+          <ac:chgData name="Diego Picazo García" userId="2e6ed9c7-3c4c-4043-ad45-3687a72f673f" providerId="ADAL" clId="{03CE4198-ADF5-2A42-A6AB-8D7BC650FE71}" dt="2023-03-17T11:13:21.554" v="760" actId="26606"/>
+          <ac:spMkLst>
+            <pc:docMk/>
+            <pc:sldMk cId="4280460112" sldId="258"/>
+            <ac:spMk id="12" creationId="{91DE43FD-EB47-414A-B0AB-169B0FFFA527}"/>
+          </ac:spMkLst>
+        </pc:spChg>
+        <pc:spChg chg="add mod">
+          <ac:chgData name="Diego Picazo García" userId="2e6ed9c7-3c4c-4043-ad45-3687a72f673f" providerId="ADAL" clId="{03CE4198-ADF5-2A42-A6AB-8D7BC650FE71}" dt="2023-03-17T11:24:21.400" v="1049" actId="1035"/>
+          <ac:spMkLst>
+            <pc:docMk/>
+            <pc:sldMk cId="4280460112" sldId="258"/>
+            <ac:spMk id="17" creationId="{6E461D66-9FD5-97AA-407B-1146C5B60B63}"/>
+          </ac:spMkLst>
+        </pc:spChg>
+        <pc:grpChg chg="add">
+          <ac:chgData name="Diego Picazo García" userId="2e6ed9c7-3c4c-4043-ad45-3687a72f673f" providerId="ADAL" clId="{03CE4198-ADF5-2A42-A6AB-8D7BC650FE71}" dt="2023-03-17T11:13:21.554" v="760" actId="26606"/>
+          <ac:grpSpMkLst>
+            <pc:docMk/>
+            <pc:sldMk cId="4280460112" sldId="258"/>
+            <ac:grpSpMk id="14" creationId="{58495BCC-CE77-4CC2-952E-846F41119FD5}"/>
+          </ac:grpSpMkLst>
+        </pc:grpChg>
+        <pc:picChg chg="add mod">
+          <ac:chgData name="Diego Picazo García" userId="2e6ed9c7-3c4c-4043-ad45-3687a72f673f" providerId="ADAL" clId="{03CE4198-ADF5-2A42-A6AB-8D7BC650FE71}" dt="2023-03-17T11:17:57.405" v="983" actId="1036"/>
+          <ac:picMkLst>
+            <pc:docMk/>
+            <pc:sldMk cId="4280460112" sldId="258"/>
+            <ac:picMk id="5" creationId="{8E8DC13C-FAB6-F304-EA1B-C08EA1BDB44F}"/>
+          </ac:picMkLst>
+        </pc:picChg>
+        <pc:picChg chg="add del mod">
+          <ac:chgData name="Diego Picazo García" userId="2e6ed9c7-3c4c-4043-ad45-3687a72f673f" providerId="ADAL" clId="{03CE4198-ADF5-2A42-A6AB-8D7BC650FE71}" dt="2023-03-17T11:21:29.959" v="995" actId="478"/>
+          <ac:picMkLst>
+            <pc:docMk/>
+            <pc:sldMk cId="4280460112" sldId="258"/>
+            <ac:picMk id="8" creationId="{285905C6-A1AE-DCDE-B8B2-69CF67043E81}"/>
+          </ac:picMkLst>
+        </pc:picChg>
+        <pc:picChg chg="add mod">
+          <ac:chgData name="Diego Picazo García" userId="2e6ed9c7-3c4c-4043-ad45-3687a72f673f" providerId="ADAL" clId="{03CE4198-ADF5-2A42-A6AB-8D7BC650FE71}" dt="2023-03-17T11:22:42.860" v="1004" actId="1076"/>
+          <ac:picMkLst>
+            <pc:docMk/>
+            <pc:sldMk cId="4280460112" sldId="258"/>
+            <ac:picMk id="11" creationId="{9DEB0BCB-2001-915D-96B0-A1197B4C3D90}"/>
+          </ac:picMkLst>
+        </pc:picChg>
+        <pc:picChg chg="add del mod">
+          <ac:chgData name="Diego Picazo García" userId="2e6ed9c7-3c4c-4043-ad45-3687a72f673f" providerId="ADAL" clId="{03CE4198-ADF5-2A42-A6AB-8D7BC650FE71}" dt="2023-03-17T11:22:59.240" v="1008" actId="478"/>
+          <ac:picMkLst>
+            <pc:docMk/>
+            <pc:sldMk cId="4280460112" sldId="258"/>
+            <ac:picMk id="13" creationId="{F2AFF50A-D7CF-4608-CA8C-3F4510E710DA}"/>
+          </ac:picMkLst>
+        </pc:picChg>
+      </pc:sldChg>
+    </pc:docChg>
+  </pc:docChgLst>
+</pc:chgInfo>
 </file>
 
 <file path=ppt/slideLayouts/slideLayout1.xml><?xml version="1.0" encoding="utf-8"?>
@@ -3308,6 +3517,14 @@
 <file path=ppt/slides/slide1.xml><?xml version="1.0" encoding="utf-8"?>
 <p:sld xmlns:a="http://schemas.openxmlformats.org/drawingml/2006/main" xmlns:r="http://schemas.openxmlformats.org/officeDocument/2006/relationships" xmlns:p="http://schemas.openxmlformats.org/presentationml/2006/main">
   <p:cSld>
+    <p:bg>
+      <p:bgPr>
+        <a:solidFill>
+          <a:schemeClr val="bg1"/>
+        </a:solidFill>
+        <a:effectLst/>
+      </p:bgPr>
+    </p:bg>
     <p:spTree>
       <p:nvGrpSpPr>
         <p:cNvPr id="1" name=""/>
@@ -3322,15 +3539,250 @@
           <a:chExt cx="0" cy="0"/>
         </a:xfrm>
       </p:grpSpPr>
+      <p:sp>
+        <p:nvSpPr>
+          <p:cNvPr id="10" name="Rectangle 9">
+            <a:extLst>
+              <a:ext uri="{FF2B5EF4-FFF2-40B4-BE49-F238E27FC236}">
+                <a16:creationId xmlns:a16="http://schemas.microsoft.com/office/drawing/2014/main" id="{0B761509-3B9A-49A6-A84B-C3D86811697D}"/>
+              </a:ext>
+              <a:ext uri="{C183D7F6-B498-43B3-948B-1728B52AA6E4}">
+                <adec:decorative xmlns:adec="http://schemas.microsoft.com/office/drawing/2017/decorative" val="1"/>
+              </a:ext>
+            </a:extLst>
+          </p:cNvPr>
+          <p:cNvSpPr>
+            <a:spLocks noGrp="1" noRot="1" noChangeAspect="1" noMove="1" noResize="1" noEditPoints="1" noAdjustHandles="1" noChangeArrowheads="1" noChangeShapeType="1" noTextEdit="1"/>
+          </p:cNvSpPr>
+          <p:nvPr>
+            <p:extLst>
+              <p:ext uri="{386F3935-93C4-4BCD-93E2-E3B085C9AB24}">
+                <p16:designElem xmlns:p16="http://schemas.microsoft.com/office/powerpoint/2015/main" val="1"/>
+              </p:ext>
+            </p:extLst>
+          </p:nvPr>
+        </p:nvSpPr>
+        <p:spPr>
+          <a:xfrm>
+            <a:off x="2" y="0"/>
+            <a:ext cx="12191997" cy="6858000"/>
+          </a:xfrm>
+          <a:prstGeom prst="rect">
+            <a:avLst/>
+          </a:prstGeom>
+          <a:solidFill>
+            <a:schemeClr val="tx1"/>
+          </a:solidFill>
+          <a:ln>
+            <a:noFill/>
+          </a:ln>
+        </p:spPr>
+        <p:style>
+          <a:lnRef idx="2">
+            <a:schemeClr val="accent1">
+              <a:shade val="50000"/>
+            </a:schemeClr>
+          </a:lnRef>
+          <a:fillRef idx="1">
+            <a:schemeClr val="accent1"/>
+          </a:fillRef>
+          <a:effectRef idx="0">
+            <a:schemeClr val="accent1"/>
+          </a:effectRef>
+          <a:fontRef idx="minor">
+            <a:schemeClr val="lt1"/>
+          </a:fontRef>
+        </p:style>
+        <p:txBody>
+          <a:bodyPr rtlCol="0" anchor="ctr"/>
+          <a:lstStyle/>
+          <a:p>
+            <a:pPr algn="ctr"/>
+            <a:endParaRPr lang="en-US"/>
+          </a:p>
+        </p:txBody>
+      </p:sp>
+      <p:sp useBgFill="1">
+        <p:nvSpPr>
+          <p:cNvPr id="12" name="Freeform: Shape 11">
+            <a:extLst>
+              <a:ext uri="{FF2B5EF4-FFF2-40B4-BE49-F238E27FC236}">
+                <a16:creationId xmlns:a16="http://schemas.microsoft.com/office/drawing/2014/main" id="{91DE43FD-EB47-414A-B0AB-169B0FFFA527}"/>
+              </a:ext>
+              <a:ext uri="{C183D7F6-B498-43B3-948B-1728B52AA6E4}">
+                <adec:decorative xmlns:adec="http://schemas.microsoft.com/office/drawing/2017/decorative" val="1"/>
+              </a:ext>
+            </a:extLst>
+          </p:cNvPr>
+          <p:cNvSpPr>
+            <a:spLocks noGrp="1" noRot="1" noChangeAspect="1" noMove="1" noResize="1" noEditPoints="1" noAdjustHandles="1" noChangeArrowheads="1" noChangeShapeType="1" noTextEdit="1"/>
+          </p:cNvSpPr>
+          <p:nvPr>
+            <p:extLst>
+              <p:ext uri="{386F3935-93C4-4BCD-93E2-E3B085C9AB24}">
+                <p16:designElem xmlns:p16="http://schemas.microsoft.com/office/powerpoint/2015/main" val="1"/>
+              </p:ext>
+            </p:extLst>
+          </p:nvPr>
+        </p:nvSpPr>
+        <p:spPr>
+          <a:xfrm>
+            <a:off x="0" y="0"/>
+            <a:ext cx="9272922" cy="6858000"/>
+          </a:xfrm>
+          <a:custGeom>
+            <a:avLst/>
+            <a:gdLst>
+              <a:gd name="connsiteX0" fmla="*/ 0 w 9272922"/>
+              <a:gd name="connsiteY0" fmla="*/ 0 h 6858000"/>
+              <a:gd name="connsiteX1" fmla="*/ 1733417 w 9272922"/>
+              <a:gd name="connsiteY1" fmla="*/ 0 h 6858000"/>
+              <a:gd name="connsiteX2" fmla="*/ 3307976 w 9272922"/>
+              <a:gd name="connsiteY2" fmla="*/ 0 h 6858000"/>
+              <a:gd name="connsiteX3" fmla="*/ 8126249 w 9272922"/>
+              <a:gd name="connsiteY3" fmla="*/ 0 h 6858000"/>
+              <a:gd name="connsiteX4" fmla="*/ 8138896 w 9272922"/>
+              <a:gd name="connsiteY4" fmla="*/ 31774 h 6858000"/>
+              <a:gd name="connsiteX5" fmla="*/ 9193904 w 9272922"/>
+              <a:gd name="connsiteY5" fmla="*/ 2682457 h 6858000"/>
+              <a:gd name="connsiteX6" fmla="*/ 9193904 w 9272922"/>
+              <a:gd name="connsiteY6" fmla="*/ 3752208 h 6858000"/>
+              <a:gd name="connsiteX7" fmla="*/ 8036400 w 9272922"/>
+              <a:gd name="connsiteY7" fmla="*/ 6660411 h 6858000"/>
+              <a:gd name="connsiteX8" fmla="*/ 7957938 w 9272922"/>
+              <a:gd name="connsiteY8" fmla="*/ 6857542 h 6858000"/>
+              <a:gd name="connsiteX9" fmla="*/ 3307976 w 9272922"/>
+              <a:gd name="connsiteY9" fmla="*/ 6857542 h 6858000"/>
+              <a:gd name="connsiteX10" fmla="*/ 3307976 w 9272922"/>
+              <a:gd name="connsiteY10" fmla="*/ 6858000 h 6858000"/>
+              <a:gd name="connsiteX11" fmla="*/ 0 w 9272922"/>
+              <a:gd name="connsiteY11" fmla="*/ 6858000 h 6858000"/>
+            </a:gdLst>
+            <a:ahLst/>
+            <a:cxnLst>
+              <a:cxn ang="0">
+                <a:pos x="connsiteX0" y="connsiteY0"/>
+              </a:cxn>
+              <a:cxn ang="0">
+                <a:pos x="connsiteX1" y="connsiteY1"/>
+              </a:cxn>
+              <a:cxn ang="0">
+                <a:pos x="connsiteX2" y="connsiteY2"/>
+              </a:cxn>
+              <a:cxn ang="0">
+                <a:pos x="connsiteX3" y="connsiteY3"/>
+              </a:cxn>
+              <a:cxn ang="0">
+                <a:pos x="connsiteX4" y="connsiteY4"/>
+              </a:cxn>
+              <a:cxn ang="0">
+                <a:pos x="connsiteX5" y="connsiteY5"/>
+              </a:cxn>
+              <a:cxn ang="0">
+                <a:pos x="connsiteX6" y="connsiteY6"/>
+              </a:cxn>
+              <a:cxn ang="0">
+                <a:pos x="connsiteX7" y="connsiteY7"/>
+              </a:cxn>
+              <a:cxn ang="0">
+                <a:pos x="connsiteX8" y="connsiteY8"/>
+              </a:cxn>
+              <a:cxn ang="0">
+                <a:pos x="connsiteX9" y="connsiteY9"/>
+              </a:cxn>
+              <a:cxn ang="0">
+                <a:pos x="connsiteX10" y="connsiteY10"/>
+              </a:cxn>
+              <a:cxn ang="0">
+                <a:pos x="connsiteX11" y="connsiteY11"/>
+              </a:cxn>
+            </a:cxnLst>
+            <a:rect l="l" t="t" r="r" b="b"/>
+            <a:pathLst>
+              <a:path w="9272922" h="6858000">
+                <a:moveTo>
+                  <a:pt x="0" y="0"/>
+                </a:moveTo>
+                <a:lnTo>
+                  <a:pt x="1733417" y="0"/>
+                </a:lnTo>
+                <a:lnTo>
+                  <a:pt x="3307976" y="0"/>
+                </a:lnTo>
+                <a:lnTo>
+                  <a:pt x="8126249" y="0"/>
+                </a:lnTo>
+                <a:lnTo>
+                  <a:pt x="8138896" y="31774"/>
+                </a:lnTo>
+                <a:cubicBezTo>
+                  <a:pt x="9193904" y="2682457"/>
+                  <a:pt x="9193904" y="2682457"/>
+                  <a:pt x="9193904" y="2682457"/>
+                </a:cubicBezTo>
+                <a:cubicBezTo>
+                  <a:pt x="9299262" y="2988100"/>
+                  <a:pt x="9299262" y="3446565"/>
+                  <a:pt x="9193904" y="3752208"/>
+                </a:cubicBezTo>
+                <a:cubicBezTo>
+                  <a:pt x="8709916" y="4968215"/>
+                  <a:pt x="8331802" y="5918220"/>
+                  <a:pt x="8036400" y="6660411"/>
+                </a:cubicBezTo>
+                <a:lnTo>
+                  <a:pt x="7957938" y="6857542"/>
+                </a:lnTo>
+                <a:lnTo>
+                  <a:pt x="3307976" y="6857542"/>
+                </a:lnTo>
+                <a:lnTo>
+                  <a:pt x="3307976" y="6858000"/>
+                </a:lnTo>
+                <a:lnTo>
+                  <a:pt x="0" y="6858000"/>
+                </a:lnTo>
+                <a:close/>
+              </a:path>
+            </a:pathLst>
+          </a:custGeom>
+          <a:ln>
+            <a:noFill/>
+          </a:ln>
+        </p:spPr>
+        <p:style>
+          <a:lnRef idx="2">
+            <a:schemeClr val="accent1">
+              <a:shade val="50000"/>
+            </a:schemeClr>
+          </a:lnRef>
+          <a:fillRef idx="1">
+            <a:schemeClr val="accent1"/>
+          </a:fillRef>
+          <a:effectRef idx="0">
+            <a:schemeClr val="accent1"/>
+          </a:effectRef>
+          <a:fontRef idx="minor">
+            <a:schemeClr val="lt1"/>
+          </a:fontRef>
+        </p:style>
+        <p:txBody>
+          <a:bodyPr wrap="square" rtlCol="0" anchor="ctr">
+            <a:noAutofit/>
+          </a:bodyPr>
+          <a:lstStyle/>
+          <a:p>
+            <a:pPr algn="ctr"/>
+            <a:endParaRPr lang="en-US"/>
+          </a:p>
+        </p:txBody>
+      </p:sp>
       <p:pic>
         <p:nvPicPr>
-          <p:cNvPr id="5" name="Imagen 4" descr="Primer test del caso inicial&#10;">
-            <a:extLst>
-              <a:ext uri="{FF2B5EF4-FFF2-40B4-BE49-F238E27FC236}">
-                <a16:creationId xmlns:a16="http://schemas.microsoft.com/office/drawing/2014/main" id="{A02FA91D-B24A-AFA1-0F3A-E7B5668F63C6}"/>
-              </a:ext>
-              <a:ext uri="{C183D7F6-B498-43B3-948B-1728B52AA6E4}">
-                <adec:decorative xmlns:adec="http://schemas.microsoft.com/office/drawing/2017/decorative" val="0"/>
+          <p:cNvPr id="5" name="Imagen 4" descr="Icono&#10;&#10;Descripción generada automáticamente">
+            <a:extLst>
+              <a:ext uri="{FF2B5EF4-FFF2-40B4-BE49-F238E27FC236}">
+                <a16:creationId xmlns:a16="http://schemas.microsoft.com/office/drawing/2014/main" id="{8E8DC13C-FAB6-F304-EA1B-C08EA1BDB44F}"/>
               </a:ext>
             </a:extLst>
           </p:cNvPr>
@@ -3347,36 +3799,590 @@
         </p:blipFill>
         <p:spPr>
           <a:xfrm>
-            <a:off x="0" y="0"/>
-            <a:ext cx="12280604" cy="7211283"/>
+            <a:off x="3010795" y="590315"/>
+            <a:ext cx="1731326" cy="1731326"/>
           </a:xfrm>
           <a:prstGeom prst="rect">
             <a:avLst/>
           </a:prstGeom>
         </p:spPr>
       </p:pic>
+      <p:grpSp>
+        <p:nvGrpSpPr>
+          <p:cNvPr id="14" name="Group 13">
+            <a:extLst>
+              <a:ext uri="{FF2B5EF4-FFF2-40B4-BE49-F238E27FC236}">
+                <a16:creationId xmlns:a16="http://schemas.microsoft.com/office/drawing/2014/main" id="{58495BCC-CE77-4CC2-952E-846F41119FD5}"/>
+              </a:ext>
+              <a:ext uri="{C183D7F6-B498-43B3-948B-1728B52AA6E4}">
+                <adec:decorative xmlns:adec="http://schemas.microsoft.com/office/drawing/2017/decorative" val="1"/>
+              </a:ext>
+            </a:extLst>
+          </p:cNvPr>
+          <p:cNvGrpSpPr>
+            <a:grpSpLocks noGrp="1" noUngrp="1" noRot="1" noChangeAspect="1" noMove="1" noResize="1"/>
+          </p:cNvGrpSpPr>
+          <p:nvPr>
+            <p:extLst>
+              <p:ext uri="{386F3935-93C4-4BCD-93E2-E3B085C9AB24}">
+                <p16:designElem xmlns:p16="http://schemas.microsoft.com/office/powerpoint/2015/main" val="1"/>
+              </p:ext>
+            </p:extLst>
+          </p:nvPr>
+        </p:nvGrpSpPr>
+        <p:grpSpPr>
+          <a:xfrm>
+            <a:off x="9160561" y="1075188"/>
+            <a:ext cx="1562267" cy="1172973"/>
+            <a:chOff x="9160561" y="1075188"/>
+            <a:chExt cx="1562267" cy="1172973"/>
+          </a:xfrm>
+        </p:grpSpPr>
+        <p:sp>
+          <p:nvSpPr>
+            <p:cNvPr id="15" name="Freeform 5">
+              <a:extLst>
+                <a:ext uri="{FF2B5EF4-FFF2-40B4-BE49-F238E27FC236}">
+                  <a16:creationId xmlns:a16="http://schemas.microsoft.com/office/drawing/2014/main" id="{1B42538B-E30F-4967-A6C1-8EBA775F4D60}"/>
+                </a:ext>
+                <a:ext uri="{C183D7F6-B498-43B3-948B-1728B52AA6E4}">
+                  <adec:decorative xmlns:adec="http://schemas.microsoft.com/office/drawing/2017/decorative" val="1"/>
+                </a:ext>
+              </a:extLst>
+            </p:cNvPr>
+            <p:cNvSpPr>
+              <a:spLocks/>
+            </p:cNvSpPr>
+            <p:nvPr>
+              <p:extLst>
+                <p:ext uri="{386F3935-93C4-4BCD-93E2-E3B085C9AB24}">
+                  <p16:designElem xmlns:p16="http://schemas.microsoft.com/office/powerpoint/2015/main" val="1"/>
+                </p:ext>
+              </p:extLst>
+            </p:nvPr>
+          </p:nvSpPr>
+          <p:spPr bwMode="auto">
+            <a:xfrm>
+              <a:off x="9160561" y="1423846"/>
+              <a:ext cx="935037" cy="824315"/>
+            </a:xfrm>
+            <a:custGeom>
+              <a:avLst/>
+              <a:gdLst>
+                <a:gd name="T0" fmla="*/ 225 w 785"/>
+                <a:gd name="T1" fmla="*/ 692 h 692"/>
+                <a:gd name="T2" fmla="*/ 177 w 785"/>
+                <a:gd name="T3" fmla="*/ 665 h 692"/>
+                <a:gd name="T4" fmla="*/ 9 w 785"/>
+                <a:gd name="T5" fmla="*/ 374 h 692"/>
+                <a:gd name="T6" fmla="*/ 9 w 785"/>
+                <a:gd name="T7" fmla="*/ 318 h 692"/>
+                <a:gd name="T8" fmla="*/ 177 w 785"/>
+                <a:gd name="T9" fmla="*/ 27 h 692"/>
+                <a:gd name="T10" fmla="*/ 225 w 785"/>
+                <a:gd name="T11" fmla="*/ 0 h 692"/>
+                <a:gd name="T12" fmla="*/ 561 w 785"/>
+                <a:gd name="T13" fmla="*/ 0 h 692"/>
+                <a:gd name="T14" fmla="*/ 609 w 785"/>
+                <a:gd name="T15" fmla="*/ 27 h 692"/>
+                <a:gd name="T16" fmla="*/ 777 w 785"/>
+                <a:gd name="T17" fmla="*/ 318 h 692"/>
+                <a:gd name="T18" fmla="*/ 777 w 785"/>
+                <a:gd name="T19" fmla="*/ 374 h 692"/>
+                <a:gd name="T20" fmla="*/ 609 w 785"/>
+                <a:gd name="T21" fmla="*/ 665 h 692"/>
+                <a:gd name="T22" fmla="*/ 561 w 785"/>
+                <a:gd name="T23" fmla="*/ 692 h 692"/>
+                <a:gd name="T24" fmla="*/ 225 w 785"/>
+                <a:gd name="T25" fmla="*/ 692 h 692"/>
+              </a:gdLst>
+              <a:ahLst/>
+              <a:cxnLst>
+                <a:cxn ang="0">
+                  <a:pos x="T0" y="T1"/>
+                </a:cxn>
+                <a:cxn ang="0">
+                  <a:pos x="T2" y="T3"/>
+                </a:cxn>
+                <a:cxn ang="0">
+                  <a:pos x="T4" y="T5"/>
+                </a:cxn>
+                <a:cxn ang="0">
+                  <a:pos x="T6" y="T7"/>
+                </a:cxn>
+                <a:cxn ang="0">
+                  <a:pos x="T8" y="T9"/>
+                </a:cxn>
+                <a:cxn ang="0">
+                  <a:pos x="T10" y="T11"/>
+                </a:cxn>
+                <a:cxn ang="0">
+                  <a:pos x="T12" y="T13"/>
+                </a:cxn>
+                <a:cxn ang="0">
+                  <a:pos x="T14" y="T15"/>
+                </a:cxn>
+                <a:cxn ang="0">
+                  <a:pos x="T16" y="T17"/>
+                </a:cxn>
+                <a:cxn ang="0">
+                  <a:pos x="T18" y="T19"/>
+                </a:cxn>
+                <a:cxn ang="0">
+                  <a:pos x="T20" y="T21"/>
+                </a:cxn>
+                <a:cxn ang="0">
+                  <a:pos x="T22" y="T23"/>
+                </a:cxn>
+                <a:cxn ang="0">
+                  <a:pos x="T24" y="T25"/>
+                </a:cxn>
+              </a:cxnLst>
+              <a:rect l="0" t="0" r="r" b="b"/>
+              <a:pathLst>
+                <a:path w="785" h="692">
+                  <a:moveTo>
+                    <a:pt x="225" y="692"/>
+                  </a:moveTo>
+                  <a:cubicBezTo>
+                    <a:pt x="207" y="692"/>
+                    <a:pt x="185" y="680"/>
+                    <a:pt x="177" y="665"/>
+                  </a:cubicBezTo>
+                  <a:cubicBezTo>
+                    <a:pt x="9" y="374"/>
+                    <a:pt x="9" y="374"/>
+                    <a:pt x="9" y="374"/>
+                  </a:cubicBezTo>
+                  <a:cubicBezTo>
+                    <a:pt x="0" y="358"/>
+                    <a:pt x="0" y="334"/>
+                    <a:pt x="9" y="318"/>
+                  </a:cubicBezTo>
+                  <a:cubicBezTo>
+                    <a:pt x="177" y="27"/>
+                    <a:pt x="177" y="27"/>
+                    <a:pt x="177" y="27"/>
+                  </a:cubicBezTo>
+                  <a:cubicBezTo>
+                    <a:pt x="185" y="12"/>
+                    <a:pt x="207" y="0"/>
+                    <a:pt x="225" y="0"/>
+                  </a:cubicBezTo>
+                  <a:cubicBezTo>
+                    <a:pt x="561" y="0"/>
+                    <a:pt x="561" y="0"/>
+                    <a:pt x="561" y="0"/>
+                  </a:cubicBezTo>
+                  <a:cubicBezTo>
+                    <a:pt x="578" y="0"/>
+                    <a:pt x="600" y="12"/>
+                    <a:pt x="609" y="27"/>
+                  </a:cubicBezTo>
+                  <a:cubicBezTo>
+                    <a:pt x="777" y="318"/>
+                    <a:pt x="777" y="318"/>
+                    <a:pt x="777" y="318"/>
+                  </a:cubicBezTo>
+                  <a:cubicBezTo>
+                    <a:pt x="785" y="334"/>
+                    <a:pt x="785" y="358"/>
+                    <a:pt x="777" y="374"/>
+                  </a:cubicBezTo>
+                  <a:cubicBezTo>
+                    <a:pt x="609" y="665"/>
+                    <a:pt x="609" y="665"/>
+                    <a:pt x="609" y="665"/>
+                  </a:cubicBezTo>
+                  <a:cubicBezTo>
+                    <a:pt x="600" y="680"/>
+                    <a:pt x="578" y="692"/>
+                    <a:pt x="561" y="692"/>
+                  </a:cubicBezTo>
+                  <a:lnTo>
+                    <a:pt x="225" y="692"/>
+                  </a:lnTo>
+                  <a:close/>
+                </a:path>
+              </a:pathLst>
+            </a:custGeom>
+            <a:noFill/>
+            <a:ln w="28575" cmpd="sng">
+              <a:solidFill>
+                <a:schemeClr val="bg1"/>
+              </a:solidFill>
+            </a:ln>
+          </p:spPr>
+          <p:txBody>
+            <a:bodyPr vert="horz" wrap="square" lIns="91440" tIns="45720" rIns="91440" bIns="45720" numCol="1" anchor="t" anchorCtr="0" compatLnSpc="1">
+              <a:prstTxWarp prst="textNoShape">
+                <a:avLst/>
+              </a:prstTxWarp>
+            </a:bodyPr>
+            <a:lstStyle/>
+            <a:p>
+              <a:endParaRPr lang="en-US"/>
+            </a:p>
+          </p:txBody>
+        </p:sp>
+        <p:sp>
+          <p:nvSpPr>
+            <p:cNvPr id="16" name="Freeform 5">
+              <a:extLst>
+                <a:ext uri="{FF2B5EF4-FFF2-40B4-BE49-F238E27FC236}">
+                  <a16:creationId xmlns:a16="http://schemas.microsoft.com/office/drawing/2014/main" id="{9A6BD9AC-4DE7-4B20-8547-4E3B375C21F7}"/>
+                </a:ext>
+                <a:ext uri="{C183D7F6-B498-43B3-948B-1728B52AA6E4}">
+                  <adec:decorative xmlns:adec="http://schemas.microsoft.com/office/drawing/2017/decorative" val="1"/>
+                </a:ext>
+              </a:extLst>
+            </p:cNvPr>
+            <p:cNvSpPr>
+              <a:spLocks/>
+            </p:cNvSpPr>
+            <p:nvPr>
+              <p:extLst>
+                <p:ext uri="{386F3935-93C4-4BCD-93E2-E3B085C9AB24}">
+                  <p16:designElem xmlns:p16="http://schemas.microsoft.com/office/powerpoint/2015/main" val="1"/>
+                </p:ext>
+              </p:extLst>
+            </p:nvPr>
+          </p:nvSpPr>
+          <p:spPr bwMode="auto">
+            <a:xfrm>
+              <a:off x="9960661" y="1075188"/>
+              <a:ext cx="762167" cy="671915"/>
+            </a:xfrm>
+            <a:custGeom>
+              <a:avLst/>
+              <a:gdLst>
+                <a:gd name="T0" fmla="*/ 225 w 785"/>
+                <a:gd name="T1" fmla="*/ 692 h 692"/>
+                <a:gd name="T2" fmla="*/ 177 w 785"/>
+                <a:gd name="T3" fmla="*/ 665 h 692"/>
+                <a:gd name="T4" fmla="*/ 9 w 785"/>
+                <a:gd name="T5" fmla="*/ 374 h 692"/>
+                <a:gd name="T6" fmla="*/ 9 w 785"/>
+                <a:gd name="T7" fmla="*/ 318 h 692"/>
+                <a:gd name="T8" fmla="*/ 177 w 785"/>
+                <a:gd name="T9" fmla="*/ 27 h 692"/>
+                <a:gd name="T10" fmla="*/ 225 w 785"/>
+                <a:gd name="T11" fmla="*/ 0 h 692"/>
+                <a:gd name="T12" fmla="*/ 561 w 785"/>
+                <a:gd name="T13" fmla="*/ 0 h 692"/>
+                <a:gd name="T14" fmla="*/ 609 w 785"/>
+                <a:gd name="T15" fmla="*/ 27 h 692"/>
+                <a:gd name="T16" fmla="*/ 777 w 785"/>
+                <a:gd name="T17" fmla="*/ 318 h 692"/>
+                <a:gd name="T18" fmla="*/ 777 w 785"/>
+                <a:gd name="T19" fmla="*/ 374 h 692"/>
+                <a:gd name="T20" fmla="*/ 609 w 785"/>
+                <a:gd name="T21" fmla="*/ 665 h 692"/>
+                <a:gd name="T22" fmla="*/ 561 w 785"/>
+                <a:gd name="T23" fmla="*/ 692 h 692"/>
+                <a:gd name="T24" fmla="*/ 225 w 785"/>
+                <a:gd name="T25" fmla="*/ 692 h 692"/>
+              </a:gdLst>
+              <a:ahLst/>
+              <a:cxnLst>
+                <a:cxn ang="0">
+                  <a:pos x="T0" y="T1"/>
+                </a:cxn>
+                <a:cxn ang="0">
+                  <a:pos x="T2" y="T3"/>
+                </a:cxn>
+                <a:cxn ang="0">
+                  <a:pos x="T4" y="T5"/>
+                </a:cxn>
+                <a:cxn ang="0">
+                  <a:pos x="T6" y="T7"/>
+                </a:cxn>
+                <a:cxn ang="0">
+                  <a:pos x="T8" y="T9"/>
+                </a:cxn>
+                <a:cxn ang="0">
+                  <a:pos x="T10" y="T11"/>
+                </a:cxn>
+                <a:cxn ang="0">
+                  <a:pos x="T12" y="T13"/>
+                </a:cxn>
+                <a:cxn ang="0">
+                  <a:pos x="T14" y="T15"/>
+                </a:cxn>
+                <a:cxn ang="0">
+                  <a:pos x="T16" y="T17"/>
+                </a:cxn>
+                <a:cxn ang="0">
+                  <a:pos x="T18" y="T19"/>
+                </a:cxn>
+                <a:cxn ang="0">
+                  <a:pos x="T20" y="T21"/>
+                </a:cxn>
+                <a:cxn ang="0">
+                  <a:pos x="T22" y="T23"/>
+                </a:cxn>
+                <a:cxn ang="0">
+                  <a:pos x="T24" y="T25"/>
+                </a:cxn>
+              </a:cxnLst>
+              <a:rect l="0" t="0" r="r" b="b"/>
+              <a:pathLst>
+                <a:path w="785" h="692">
+                  <a:moveTo>
+                    <a:pt x="225" y="692"/>
+                  </a:moveTo>
+                  <a:cubicBezTo>
+                    <a:pt x="207" y="692"/>
+                    <a:pt x="185" y="680"/>
+                    <a:pt x="177" y="665"/>
+                  </a:cubicBezTo>
+                  <a:cubicBezTo>
+                    <a:pt x="9" y="374"/>
+                    <a:pt x="9" y="374"/>
+                    <a:pt x="9" y="374"/>
+                  </a:cubicBezTo>
+                  <a:cubicBezTo>
+                    <a:pt x="0" y="358"/>
+                    <a:pt x="0" y="334"/>
+                    <a:pt x="9" y="318"/>
+                  </a:cubicBezTo>
+                  <a:cubicBezTo>
+                    <a:pt x="177" y="27"/>
+                    <a:pt x="177" y="27"/>
+                    <a:pt x="177" y="27"/>
+                  </a:cubicBezTo>
+                  <a:cubicBezTo>
+                    <a:pt x="185" y="12"/>
+                    <a:pt x="207" y="0"/>
+                    <a:pt x="225" y="0"/>
+                  </a:cubicBezTo>
+                  <a:cubicBezTo>
+                    <a:pt x="561" y="0"/>
+                    <a:pt x="561" y="0"/>
+                    <a:pt x="561" y="0"/>
+                  </a:cubicBezTo>
+                  <a:cubicBezTo>
+                    <a:pt x="578" y="0"/>
+                    <a:pt x="600" y="12"/>
+                    <a:pt x="609" y="27"/>
+                  </a:cubicBezTo>
+                  <a:cubicBezTo>
+                    <a:pt x="777" y="318"/>
+                    <a:pt x="777" y="318"/>
+                    <a:pt x="777" y="318"/>
+                  </a:cubicBezTo>
+                  <a:cubicBezTo>
+                    <a:pt x="785" y="334"/>
+                    <a:pt x="785" y="358"/>
+                    <a:pt x="777" y="374"/>
+                  </a:cubicBezTo>
+                  <a:cubicBezTo>
+                    <a:pt x="609" y="665"/>
+                    <a:pt x="609" y="665"/>
+                    <a:pt x="609" y="665"/>
+                  </a:cubicBezTo>
+                  <a:cubicBezTo>
+                    <a:pt x="600" y="680"/>
+                    <a:pt x="578" y="692"/>
+                    <a:pt x="561" y="692"/>
+                  </a:cubicBezTo>
+                  <a:lnTo>
+                    <a:pt x="225" y="692"/>
+                  </a:lnTo>
+                  <a:close/>
+                </a:path>
+              </a:pathLst>
+            </a:custGeom>
+            <a:noFill/>
+            <a:ln w="28575" cmpd="sng">
+              <a:solidFill>
+                <a:schemeClr val="bg1"/>
+              </a:solidFill>
+            </a:ln>
+          </p:spPr>
+          <p:txBody>
+            <a:bodyPr vert="horz" wrap="square" lIns="91440" tIns="45720" rIns="91440" bIns="45720" numCol="1" anchor="t" anchorCtr="0" compatLnSpc="1">
+              <a:prstTxWarp prst="textNoShape">
+                <a:avLst/>
+              </a:prstTxWarp>
+            </a:bodyPr>
+            <a:lstStyle/>
+            <a:p>
+              <a:endParaRPr lang="en-US"/>
+            </a:p>
+          </p:txBody>
+        </p:sp>
+      </p:grpSp>
+      <p:sp>
+        <p:nvSpPr>
+          <p:cNvPr id="6" name="CuadroTexto 5">
+            <a:extLst>
+              <a:ext uri="{FF2B5EF4-FFF2-40B4-BE49-F238E27FC236}">
+                <a16:creationId xmlns:a16="http://schemas.microsoft.com/office/drawing/2014/main" id="{0F9B7BE4-FA6D-E50B-564A-E920ED9ACB6E}"/>
+              </a:ext>
+            </a:extLst>
+          </p:cNvPr>
+          <p:cNvSpPr txBox="1"/>
+          <p:nvPr/>
+        </p:nvSpPr>
+        <p:spPr>
+          <a:xfrm>
+            <a:off x="955865" y="2550442"/>
+            <a:ext cx="6150827" cy="3108543"/>
+          </a:xfrm>
+          <a:prstGeom prst="rect">
+            <a:avLst/>
+          </a:prstGeom>
+          <a:noFill/>
+        </p:spPr>
+        <p:txBody>
+          <a:bodyPr wrap="square" rtlCol="0">
+            <a:spAutoFit/>
+          </a:bodyPr>
+          <a:lstStyle/>
+          <a:p>
+            <a:pPr algn="ctr"/>
+            <a:r>
+              <a:rPr lang="es-ES" sz="2800" b="1" dirty="0">
+                <a:latin typeface="JetBrains Mono ExtraBold" panose="02000009000000000000" pitchFamily="49" charset="0"/>
+                <a:cs typeface="JetBrains Mono ExtraBold" panose="02000009000000000000" pitchFamily="49" charset="0"/>
+              </a:rPr>
+              <a:t>PRÁCTICA 2. TEST DRIVEN DEVELOPMENT</a:t>
+            </a:r>
+          </a:p>
+          <a:p>
+            <a:pPr algn="ctr"/>
+            <a:r>
+              <a:rPr lang="es-ES" sz="2800" b="1" dirty="0">
+                <a:latin typeface="JetBrains Mono ExtraBold" panose="02000009000000000000" pitchFamily="49" charset="0"/>
+                <a:cs typeface="JetBrains Mono ExtraBold" panose="02000009000000000000" pitchFamily="49" charset="0"/>
+              </a:rPr>
+              <a:t>AMPLIACIÓN DE INGENIERÍA DEL SOFTWARE</a:t>
+            </a:r>
+          </a:p>
+          <a:p>
+            <a:pPr algn="ctr"/>
+            <a:r>
+              <a:rPr lang="es-ES" sz="2800" dirty="0">
+                <a:latin typeface="JetBrains Mono Medium" panose="02000009000000000000" pitchFamily="49" charset="0"/>
+                <a:cs typeface="JetBrains Mono Medium" panose="02000009000000000000" pitchFamily="49" charset="0"/>
+              </a:rPr>
+              <a:t>TERCER CURSO</a:t>
+            </a:r>
+            <a:endParaRPr lang="es-ES" sz="2800" dirty="0">
+              <a:latin typeface="JetBrains Mono Medium" panose="02000009000000000000" pitchFamily="49" charset="0"/>
+              <a:cs typeface="JetBrains Mono Medium" panose="02000009000000000000" pitchFamily="49" charset="0"/>
+            </a:endParaRPr>
+          </a:p>
+          <a:p>
+            <a:pPr algn="ctr"/>
+            <a:r>
+              <a:rPr lang="es-ES" sz="2800" dirty="0">
+                <a:latin typeface="JetBrains Mono ExtraLight" panose="02000009000000000000" pitchFamily="49" charset="0"/>
+                <a:cs typeface="JetBrains Mono ExtraLight" panose="02000009000000000000" pitchFamily="49" charset="0"/>
+              </a:rPr>
+              <a:t>DIEGO PICAZO GARCÍA </a:t>
+            </a:r>
+          </a:p>
+          <a:p>
+            <a:pPr algn="ctr"/>
+            <a:r>
+              <a:rPr lang="es-ES" sz="2800" dirty="0">
+                <a:latin typeface="JetBrains Mono ExtraLight" panose="02000009000000000000" pitchFamily="49" charset="0"/>
+                <a:cs typeface="JetBrains Mono ExtraLight" panose="02000009000000000000" pitchFamily="49" charset="0"/>
+              </a:rPr>
+              <a:t>LARA FERNÁNDEZ GUTIÉRRREZ</a:t>
+            </a:r>
+            <a:endParaRPr lang="es-ES" sz="2400" dirty="0">
+              <a:latin typeface="JetBrains Mono ExtraLight" panose="02000009000000000000" pitchFamily="49" charset="0"/>
+              <a:cs typeface="JetBrains Mono ExtraLight" panose="02000009000000000000" pitchFamily="49" charset="0"/>
+            </a:endParaRPr>
+          </a:p>
+        </p:txBody>
+      </p:sp>
+      <p:pic>
+        <p:nvPicPr>
+          <p:cNvPr id="11" name="Imagen 10" descr="Icono&#10;&#10;Descripción generada automáticamente">
+            <a:extLst>
+              <a:ext uri="{FF2B5EF4-FFF2-40B4-BE49-F238E27FC236}">
+                <a16:creationId xmlns:a16="http://schemas.microsoft.com/office/drawing/2014/main" id="{9DEB0BCB-2001-915D-96B0-A1197B4C3D90}"/>
+              </a:ext>
+            </a:extLst>
+          </p:cNvPr>
+          <p:cNvPicPr>
+            <a:picLocks noChangeAspect="1"/>
+          </p:cNvPicPr>
+          <p:nvPr/>
+        </p:nvPicPr>
+        <p:blipFill>
+          <a:blip r:embed="rId3">
+            <a:biLevel thresh="75000"/>
+          </a:blip>
+          <a:stretch>
+            <a:fillRect/>
+          </a:stretch>
+        </p:blipFill>
+        <p:spPr>
+          <a:xfrm>
+            <a:off x="9304191" y="1523403"/>
+            <a:ext cx="625200" cy="625200"/>
+          </a:xfrm>
+          <a:prstGeom prst="rect">
+            <a:avLst/>
+          </a:prstGeom>
+        </p:spPr>
+      </p:pic>
+      <p:sp>
+        <p:nvSpPr>
+          <p:cNvPr id="17" name="CuadroTexto 16">
+            <a:extLst>
+              <a:ext uri="{FF2B5EF4-FFF2-40B4-BE49-F238E27FC236}">
+                <a16:creationId xmlns:a16="http://schemas.microsoft.com/office/drawing/2014/main" id="{6E461D66-9FD5-97AA-407B-1146C5B60B63}"/>
+              </a:ext>
+            </a:extLst>
+          </p:cNvPr>
+          <p:cNvSpPr txBox="1"/>
+          <p:nvPr/>
+        </p:nvSpPr>
+        <p:spPr>
+          <a:xfrm>
+            <a:off x="10074332" y="1181434"/>
+            <a:ext cx="614271" cy="523220"/>
+          </a:xfrm>
+          <a:prstGeom prst="rect">
+            <a:avLst/>
+          </a:prstGeom>
+          <a:noFill/>
+        </p:spPr>
+        <p:txBody>
+          <a:bodyPr wrap="none" rtlCol="0">
+            <a:spAutoFit/>
+          </a:bodyPr>
+          <a:lstStyle/>
+          <a:p>
+            <a:r>
+              <a:rPr lang="es-ES" sz="2800" b="1" dirty="0">
+                <a:solidFill>
+                  <a:schemeClr val="bg1"/>
+                </a:solidFill>
+                <a:latin typeface="JetBrains Mono ExtraBold" panose="02000009000000000000" pitchFamily="49" charset="0"/>
+                <a:cs typeface="JetBrains Mono ExtraBold" panose="02000009000000000000" pitchFamily="49" charset="0"/>
+              </a:rPr>
+              <a:t>3º</a:t>
+            </a:r>
+          </a:p>
+        </p:txBody>
+      </p:sp>
     </p:spTree>
     <p:extLst>
       <p:ext uri="{BB962C8B-B14F-4D97-AF65-F5344CB8AC3E}">
-        <p14:creationId xmlns:p14="http://schemas.microsoft.com/office/powerpoint/2010/main" val="1386632836"/>
+        <p14:creationId xmlns:p14="http://schemas.microsoft.com/office/powerpoint/2010/main" val="4280460112"/>
       </p:ext>
     </p:extLst>
   </p:cSld>
   <p:clrMapOvr>
     <a:masterClrMapping/>
   </p:clrMapOvr>
-  <mc:AlternateContent xmlns:mc="http://schemas.openxmlformats.org/markup-compatibility/2006">
-    <mc:Choice xmlns:p14="http://schemas.microsoft.com/office/powerpoint/2010/main" Requires="p14">
-      <p:transition>
-        <p14:reveal/>
-      </p:transition>
-    </mc:Choice>
-    <mc:Fallback>
-      <p:transition>
-        <p:fade/>
-      </p:transition>
-    </mc:Fallback>
-  </mc:AlternateContent>
 </p:sld>
 </file>
 
@@ -3399,6 +4405,263 @@
       </p:grpSpPr>
       <p:pic>
         <p:nvPicPr>
+          <p:cNvPr id="5" name="Imagen 4" descr="Primer test del caso inicial&#10;">
+            <a:extLst>
+              <a:ext uri="{FF2B5EF4-FFF2-40B4-BE49-F238E27FC236}">
+                <a16:creationId xmlns:a16="http://schemas.microsoft.com/office/drawing/2014/main" id="{A02FA91D-B24A-AFA1-0F3A-E7B5668F63C6}"/>
+              </a:ext>
+              <a:ext uri="{C183D7F6-B498-43B3-948B-1728B52AA6E4}">
+                <adec:decorative xmlns:adec="http://schemas.microsoft.com/office/drawing/2017/decorative" val="0"/>
+              </a:ext>
+            </a:extLst>
+          </p:cNvPr>
+          <p:cNvPicPr>
+            <a:picLocks noChangeAspect="1"/>
+          </p:cNvPicPr>
+          <p:nvPr/>
+        </p:nvPicPr>
+        <p:blipFill>
+          <a:blip r:embed="rId2"/>
+          <a:stretch>
+            <a:fillRect/>
+          </a:stretch>
+        </p:blipFill>
+        <p:spPr>
+          <a:xfrm>
+            <a:off x="0" y="0"/>
+            <a:ext cx="12280604" cy="7211283"/>
+          </a:xfrm>
+          <a:prstGeom prst="rect">
+            <a:avLst/>
+          </a:prstGeom>
+        </p:spPr>
+      </p:pic>
+      <p:sp>
+        <p:nvSpPr>
+          <p:cNvPr id="6" name="CuadroTexto 5">
+            <a:extLst>
+              <a:ext uri="{FF2B5EF4-FFF2-40B4-BE49-F238E27FC236}">
+                <a16:creationId xmlns:a16="http://schemas.microsoft.com/office/drawing/2014/main" id="{F8BBC053-013B-B9CD-1CEC-72A2A0D0F30C}"/>
+              </a:ext>
+            </a:extLst>
+          </p:cNvPr>
+          <p:cNvSpPr txBox="1"/>
+          <p:nvPr/>
+        </p:nvSpPr>
+        <p:spPr>
+          <a:xfrm>
+            <a:off x="9593923" y="0"/>
+            <a:ext cx="2420856" cy="769441"/>
+          </a:xfrm>
+          <a:prstGeom prst="rect">
+            <a:avLst/>
+          </a:prstGeom>
+          <a:noFill/>
+        </p:spPr>
+        <p:txBody>
+          <a:bodyPr wrap="none" rtlCol="0">
+            <a:spAutoFit/>
+          </a:bodyPr>
+          <a:lstStyle/>
+          <a:p>
+            <a:r>
+              <a:rPr lang="es-ES" sz="4400" dirty="0">
+                <a:solidFill>
+                  <a:schemeClr val="bg1"/>
+                </a:solidFill>
+                <a:latin typeface="Desdemona" pitchFamily="82" charset="77"/>
+              </a:rPr>
+              <a:t>TEST1.FAIL</a:t>
+            </a:r>
+          </a:p>
+        </p:txBody>
+      </p:sp>
+      <p:sp>
+        <p:nvSpPr>
+          <p:cNvPr id="9" name="Rectángulo redondeado 8">
+            <a:extLst>
+              <a:ext uri="{FF2B5EF4-FFF2-40B4-BE49-F238E27FC236}">
+                <a16:creationId xmlns:a16="http://schemas.microsoft.com/office/drawing/2014/main" id="{F50B74D1-D3C4-363B-6E67-387434CF9942}"/>
+              </a:ext>
+            </a:extLst>
+          </p:cNvPr>
+          <p:cNvSpPr/>
+          <p:nvPr/>
+        </p:nvSpPr>
+        <p:spPr>
+          <a:xfrm>
+            <a:off x="6985591" y="4935455"/>
+            <a:ext cx="4904958" cy="1741792"/>
+          </a:xfrm>
+          <a:prstGeom prst="roundRect">
+            <a:avLst/>
+          </a:prstGeom>
+          <a:solidFill>
+            <a:schemeClr val="bg1">
+              <a:alpha val="60224"/>
+            </a:schemeClr>
+          </a:solidFill>
+        </p:spPr>
+        <p:style>
+          <a:lnRef idx="2">
+            <a:schemeClr val="accent1">
+              <a:shade val="50000"/>
+            </a:schemeClr>
+          </a:lnRef>
+          <a:fillRef idx="1">
+            <a:schemeClr val="accent1"/>
+          </a:fillRef>
+          <a:effectRef idx="0">
+            <a:schemeClr val="accent1"/>
+          </a:effectRef>
+          <a:fontRef idx="minor">
+            <a:schemeClr val="lt1"/>
+          </a:fontRef>
+        </p:style>
+        <p:txBody>
+          <a:bodyPr rtlCol="0" anchor="ctr"/>
+          <a:lstStyle/>
+          <a:p>
+            <a:pPr algn="just"/>
+            <a:r>
+              <a:rPr lang="es-ES" sz="1400" dirty="0">
+                <a:solidFill>
+                  <a:schemeClr val="tx1">
+                    <a:lumMod val="85000"/>
+                    <a:lumOff val="15000"/>
+                  </a:schemeClr>
+                </a:solidFill>
+                <a:latin typeface="JetBrains Mono Medium" panose="02000009000000000000" pitchFamily="49" charset="0"/>
+                <a:cs typeface="JetBrains Mono Medium" panose="02000009000000000000" pitchFamily="49" charset="0"/>
+              </a:rPr>
+              <a:t>Desarrollamos lo mínimo indispensable para que nuestro Test compile. Hemos creado las clases </a:t>
+            </a:r>
+            <a:r>
+              <a:rPr lang="es-ES" sz="1400" u="sng" dirty="0">
+                <a:solidFill>
+                  <a:schemeClr val="tx1">
+                    <a:lumMod val="85000"/>
+                    <a:lumOff val="15000"/>
+                  </a:schemeClr>
+                </a:solidFill>
+                <a:latin typeface="JetBrains Mono Medium" panose="02000009000000000000" pitchFamily="49" charset="0"/>
+                <a:cs typeface="JetBrains Mono Medium" panose="02000009000000000000" pitchFamily="49" charset="0"/>
+              </a:rPr>
+              <a:t>Carta</a:t>
+            </a:r>
+            <a:r>
+              <a:rPr lang="es-ES" sz="1400" dirty="0">
+                <a:solidFill>
+                  <a:schemeClr val="tx1">
+                    <a:lumMod val="85000"/>
+                    <a:lumOff val="15000"/>
+                  </a:schemeClr>
+                </a:solidFill>
+                <a:latin typeface="JetBrains Mono Medium" panose="02000009000000000000" pitchFamily="49" charset="0"/>
+                <a:cs typeface="JetBrains Mono Medium" panose="02000009000000000000" pitchFamily="49" charset="0"/>
+              </a:rPr>
+              <a:t> y </a:t>
+            </a:r>
+            <a:r>
+              <a:rPr lang="es-ES" sz="1400" u="sng" dirty="0">
+                <a:solidFill>
+                  <a:schemeClr val="tx1">
+                    <a:lumMod val="85000"/>
+                    <a:lumOff val="15000"/>
+                  </a:schemeClr>
+                </a:solidFill>
+                <a:latin typeface="JetBrains Mono Medium" panose="02000009000000000000" pitchFamily="49" charset="0"/>
+                <a:cs typeface="JetBrains Mono Medium" panose="02000009000000000000" pitchFamily="49" charset="0"/>
+              </a:rPr>
+              <a:t>Combate</a:t>
+            </a:r>
+            <a:r>
+              <a:rPr lang="es-ES" sz="1400" dirty="0">
+                <a:solidFill>
+                  <a:schemeClr val="tx1">
+                    <a:lumMod val="85000"/>
+                    <a:lumOff val="15000"/>
+                  </a:schemeClr>
+                </a:solidFill>
+                <a:latin typeface="JetBrains Mono Medium" panose="02000009000000000000" pitchFamily="49" charset="0"/>
+                <a:cs typeface="JetBrains Mono Medium" panose="02000009000000000000" pitchFamily="49" charset="0"/>
+              </a:rPr>
+              <a:t> de forma vacía y ahora tenemos un “</a:t>
+            </a:r>
+            <a:r>
+              <a:rPr lang="es-ES" sz="1400" i="1" dirty="0" err="1">
+                <a:solidFill>
+                  <a:schemeClr val="tx1">
+                    <a:lumMod val="85000"/>
+                    <a:lumOff val="15000"/>
+                  </a:schemeClr>
+                </a:solidFill>
+                <a:latin typeface="JetBrains Mono Medium" panose="02000009000000000000" pitchFamily="49" charset="0"/>
+                <a:cs typeface="JetBrains Mono Medium" panose="02000009000000000000" pitchFamily="49" charset="0"/>
+              </a:rPr>
+              <a:t>AssertFailedError</a:t>
+            </a:r>
+            <a:r>
+              <a:rPr lang="es-ES" sz="1400" i="1" dirty="0">
+                <a:solidFill>
+                  <a:schemeClr val="tx1">
+                    <a:lumMod val="85000"/>
+                    <a:lumOff val="15000"/>
+                  </a:schemeClr>
+                </a:solidFill>
+                <a:latin typeface="JetBrains Mono Medium" panose="02000009000000000000" pitchFamily="49" charset="0"/>
+                <a:cs typeface="JetBrains Mono Medium" panose="02000009000000000000" pitchFamily="49" charset="0"/>
+              </a:rPr>
+              <a:t>”</a:t>
+            </a:r>
+            <a:r>
+              <a:rPr lang="es-ES" sz="1400" dirty="0">
+                <a:solidFill>
+                  <a:schemeClr val="tx1">
+                    <a:lumMod val="85000"/>
+                    <a:lumOff val="15000"/>
+                  </a:schemeClr>
+                </a:solidFill>
+                <a:latin typeface="JetBrains Mono Medium" panose="02000009000000000000" pitchFamily="49" charset="0"/>
+                <a:cs typeface="JetBrains Mono Medium" panose="02000009000000000000" pitchFamily="49" charset="0"/>
+              </a:rPr>
+              <a:t> que nos comenta que lo devuelto no coincide con lo esperado, ya que no hemos desarrollado ningún cuerpo en las clases.</a:t>
+            </a:r>
+          </a:p>
+        </p:txBody>
+      </p:sp>
+    </p:spTree>
+    <p:extLst>
+      <p:ext uri="{BB962C8B-B14F-4D97-AF65-F5344CB8AC3E}">
+        <p14:creationId xmlns:p14="http://schemas.microsoft.com/office/powerpoint/2010/main" val="1386632836"/>
+      </p:ext>
+    </p:extLst>
+  </p:cSld>
+  <p:clrMapOvr>
+    <a:masterClrMapping/>
+  </p:clrMapOvr>
+</p:sld>
+</file>
+
+<file path=ppt/slides/slide3.xml><?xml version="1.0" encoding="utf-8"?>
+<p:sld xmlns:a="http://schemas.openxmlformats.org/drawingml/2006/main" xmlns:r="http://schemas.openxmlformats.org/officeDocument/2006/relationships" xmlns:p="http://schemas.openxmlformats.org/presentationml/2006/main">
+  <p:cSld>
+    <p:spTree>
+      <p:nvGrpSpPr>
+        <p:cNvPr id="1" name=""/>
+        <p:cNvGrpSpPr/>
+        <p:nvPr/>
+      </p:nvGrpSpPr>
+      <p:grpSpPr>
+        <a:xfrm>
+          <a:off x="0" y="0"/>
+          <a:ext cx="0" cy="0"/>
+          <a:chOff x="0" y="0"/>
+          <a:chExt cx="0" cy="0"/>
+        </a:xfrm>
+      </p:grpSpPr>
+      <p:pic>
+        <p:nvPicPr>
           <p:cNvPr id="3" name="Imagen 2" descr="Texto&#10;&#10;Descripción generada automáticamente">
             <a:extLst>
               <a:ext uri="{FF2B5EF4-FFF2-40B4-BE49-F238E27FC236}">
@@ -3420,13 +4683,172 @@
         <p:spPr>
           <a:xfrm>
             <a:off x="-1" y="0"/>
-            <a:ext cx="12184729" cy="3000375"/>
+            <a:ext cx="12192001" cy="3000375"/>
           </a:xfrm>
           <a:prstGeom prst="rect">
             <a:avLst/>
           </a:prstGeom>
         </p:spPr>
       </p:pic>
+      <p:pic>
+        <p:nvPicPr>
+          <p:cNvPr id="6" name="Imagen 5" descr="Texto&#10;&#10;Descripción generada automáticamente">
+            <a:extLst>
+              <a:ext uri="{FF2B5EF4-FFF2-40B4-BE49-F238E27FC236}">
+                <a16:creationId xmlns:a16="http://schemas.microsoft.com/office/drawing/2014/main" id="{24F8EF77-E146-203D-B2D6-FC63FF23E0BC}"/>
+              </a:ext>
+            </a:extLst>
+          </p:cNvPr>
+          <p:cNvPicPr>
+            <a:picLocks noChangeAspect="1"/>
+          </p:cNvPicPr>
+          <p:nvPr/>
+        </p:nvPicPr>
+        <p:blipFill>
+          <a:blip r:embed="rId3"/>
+          <a:stretch>
+            <a:fillRect/>
+          </a:stretch>
+        </p:blipFill>
+        <p:spPr>
+          <a:xfrm>
+            <a:off x="0" y="2307265"/>
+            <a:ext cx="12192000" cy="4550735"/>
+          </a:xfrm>
+          <a:prstGeom prst="rect">
+            <a:avLst/>
+          </a:prstGeom>
+        </p:spPr>
+      </p:pic>
+      <p:sp>
+        <p:nvSpPr>
+          <p:cNvPr id="2" name="CuadroTexto 1">
+            <a:extLst>
+              <a:ext uri="{FF2B5EF4-FFF2-40B4-BE49-F238E27FC236}">
+                <a16:creationId xmlns:a16="http://schemas.microsoft.com/office/drawing/2014/main" id="{57756C93-9D81-7D0D-2834-141BF55E261A}"/>
+              </a:ext>
+            </a:extLst>
+          </p:cNvPr>
+          <p:cNvSpPr txBox="1"/>
+          <p:nvPr/>
+        </p:nvSpPr>
+        <p:spPr>
+          <a:xfrm>
+            <a:off x="9593923" y="0"/>
+            <a:ext cx="2595582" cy="769441"/>
+          </a:xfrm>
+          <a:prstGeom prst="rect">
+            <a:avLst/>
+          </a:prstGeom>
+          <a:noFill/>
+        </p:spPr>
+        <p:txBody>
+          <a:bodyPr wrap="none" rtlCol="0">
+            <a:spAutoFit/>
+          </a:bodyPr>
+          <a:lstStyle/>
+          <a:p>
+            <a:r>
+              <a:rPr lang="es-ES" sz="4400" dirty="0">
+                <a:solidFill>
+                  <a:schemeClr val="bg1"/>
+                </a:solidFill>
+                <a:latin typeface="Desdemona" pitchFamily="82" charset="77"/>
+              </a:rPr>
+              <a:t>TEST1.PASS</a:t>
+            </a:r>
+          </a:p>
+        </p:txBody>
+      </p:sp>
+      <p:sp>
+        <p:nvSpPr>
+          <p:cNvPr id="4" name="Rectángulo redondeado 3">
+            <a:extLst>
+              <a:ext uri="{FF2B5EF4-FFF2-40B4-BE49-F238E27FC236}">
+                <a16:creationId xmlns:a16="http://schemas.microsoft.com/office/drawing/2014/main" id="{3079E69A-228A-394B-9C78-31EA15DBE25B}"/>
+              </a:ext>
+            </a:extLst>
+          </p:cNvPr>
+          <p:cNvSpPr/>
+          <p:nvPr/>
+        </p:nvSpPr>
+        <p:spPr>
+          <a:xfrm>
+            <a:off x="5326912" y="2541226"/>
+            <a:ext cx="4904958" cy="818707"/>
+          </a:xfrm>
+          <a:prstGeom prst="roundRect">
+            <a:avLst/>
+          </a:prstGeom>
+          <a:solidFill>
+            <a:schemeClr val="bg1">
+              <a:alpha val="60224"/>
+            </a:schemeClr>
+          </a:solidFill>
+        </p:spPr>
+        <p:style>
+          <a:lnRef idx="2">
+            <a:schemeClr val="accent1">
+              <a:shade val="50000"/>
+            </a:schemeClr>
+          </a:lnRef>
+          <a:fillRef idx="1">
+            <a:schemeClr val="accent1"/>
+          </a:fillRef>
+          <a:effectRef idx="0">
+            <a:schemeClr val="accent1"/>
+          </a:effectRef>
+          <a:fontRef idx="minor">
+            <a:schemeClr val="lt1"/>
+          </a:fontRef>
+        </p:style>
+        <p:txBody>
+          <a:bodyPr rtlCol="0" anchor="ctr"/>
+          <a:lstStyle/>
+          <a:p>
+            <a:pPr algn="just"/>
+            <a:r>
+              <a:rPr lang="es-ES" sz="1400" dirty="0">
+                <a:solidFill>
+                  <a:schemeClr val="tx1">
+                    <a:lumMod val="85000"/>
+                    <a:lumOff val="15000"/>
+                  </a:schemeClr>
+                </a:solidFill>
+                <a:latin typeface="JetBrains Mono Medium" panose="02000009000000000000" pitchFamily="49" charset="0"/>
+                <a:cs typeface="JetBrains Mono Medium" panose="02000009000000000000" pitchFamily="49" charset="0"/>
+              </a:rPr>
+              <a:t>Esta implementación mínima nos hace pasar el test. No tenemos nada que refactorizar ya que simplemente retornamos un </a:t>
+            </a:r>
+            <a:r>
+              <a:rPr lang="es-ES" sz="1400" dirty="0" err="1">
+                <a:solidFill>
+                  <a:schemeClr val="tx1">
+                    <a:lumMod val="85000"/>
+                    <a:lumOff val="15000"/>
+                  </a:schemeClr>
+                </a:solidFill>
+                <a:latin typeface="JetBrains Mono Medium" panose="02000009000000000000" pitchFamily="49" charset="0"/>
+                <a:cs typeface="JetBrains Mono Medium" panose="02000009000000000000" pitchFamily="49" charset="0"/>
+              </a:rPr>
+              <a:t>String</a:t>
+            </a:r>
+            <a:r>
+              <a:rPr lang="es-ES" sz="1400" dirty="0">
+                <a:solidFill>
+                  <a:schemeClr val="tx1">
+                    <a:lumMod val="85000"/>
+                    <a:lumOff val="15000"/>
+                  </a:schemeClr>
+                </a:solidFill>
+                <a:latin typeface="JetBrains Mono Medium" panose="02000009000000000000" pitchFamily="49" charset="0"/>
+                <a:cs typeface="JetBrains Mono Medium" panose="02000009000000000000" pitchFamily="49" charset="0"/>
+              </a:rPr>
+              <a:t>. </a:t>
+            </a:r>
+          </a:p>
+        </p:txBody>
+      </p:sp>
     </p:spTree>
     <p:extLst>
       <p:ext uri="{BB962C8B-B14F-4D97-AF65-F5344CB8AC3E}">
@@ -3437,18 +4859,6 @@
   <p:clrMapOvr>
     <a:masterClrMapping/>
   </p:clrMapOvr>
-  <mc:AlternateContent xmlns:mc="http://schemas.openxmlformats.org/markup-compatibility/2006">
-    <mc:Choice xmlns:p14="http://schemas.microsoft.com/office/powerpoint/2010/main" Requires="p14">
-      <p:transition>
-        <p14:reveal/>
-      </p:transition>
-    </mc:Choice>
-    <mc:Fallback>
-      <p:transition>
-        <p:fade/>
-      </p:transition>
-    </mc:Fallback>
-  </mc:AlternateContent>
 </p:sld>
 </file>
 

--- a/_memory/Memoria.pptx
+++ b/_memory/Memoria.pptx
@@ -117,7 +117,7 @@
 <file path=ppt/revisionInfo.xml><?xml version="1.0" encoding="utf-8"?>
 <p1510:revInfo xmlns:a="http://schemas.openxmlformats.org/drawingml/2006/main" xmlns:r="http://schemas.openxmlformats.org/officeDocument/2006/relationships" xmlns:p1510="http://schemas.microsoft.com/office/powerpoint/2015/10/main">
   <p1510:revLst>
-    <p1510:client id="{03CE4198-ADF5-2A42-A6AB-8D7BC650FE71}" v="15" dt="2023-03-17T11:23:12.349"/>
+    <p1510:client id="{03CE4198-ADF5-2A42-A6AB-8D7BC650FE71}" v="23" dt="2023-03-18T11:29:52.883"/>
   </p1510:revLst>
 </p1510:revInfo>
 </file>
@@ -127,18 +127,18 @@
   <pc:docChgLst>
     <pc:chgData name="Diego Picazo García" userId="2e6ed9c7-3c4c-4043-ad45-3687a72f673f" providerId="ADAL" clId="{03CE4198-ADF5-2A42-A6AB-8D7BC650FE71}"/>
     <pc:docChg chg="undo custSel addSld modSld sldOrd">
-      <pc:chgData name="Diego Picazo García" userId="2e6ed9c7-3c4c-4043-ad45-3687a72f673f" providerId="ADAL" clId="{03CE4198-ADF5-2A42-A6AB-8D7BC650FE71}" dt="2023-03-17T11:24:21.400" v="1049" actId="1035"/>
+      <pc:chgData name="Diego Picazo García" userId="2e6ed9c7-3c4c-4043-ad45-3687a72f673f" providerId="ADAL" clId="{03CE4198-ADF5-2A42-A6AB-8D7BC650FE71}" dt="2023-03-18T11:30:08.914" v="1126" actId="14100"/>
       <pc:docMkLst>
         <pc:docMk/>
       </pc:docMkLst>
       <pc:sldChg chg="addSp delSp modSp mod modTransition">
-        <pc:chgData name="Diego Picazo García" userId="2e6ed9c7-3c4c-4043-ad45-3687a72f673f" providerId="ADAL" clId="{03CE4198-ADF5-2A42-A6AB-8D7BC650FE71}" dt="2023-03-17T11:08:42.819" v="609" actId="1037"/>
+        <pc:chgData name="Diego Picazo García" userId="2e6ed9c7-3c4c-4043-ad45-3687a72f673f" providerId="ADAL" clId="{03CE4198-ADF5-2A42-A6AB-8D7BC650FE71}" dt="2023-03-18T11:21:06.548" v="1091" actId="1036"/>
         <pc:sldMkLst>
           <pc:docMk/>
           <pc:sldMk cId="1386632836" sldId="256"/>
         </pc:sldMkLst>
         <pc:spChg chg="add mod">
-          <ac:chgData name="Diego Picazo García" userId="2e6ed9c7-3c4c-4043-ad45-3687a72f673f" providerId="ADAL" clId="{03CE4198-ADF5-2A42-A6AB-8D7BC650FE71}" dt="2023-03-17T11:08:42.819" v="609" actId="1037"/>
+          <ac:chgData name="Diego Picazo García" userId="2e6ed9c7-3c4c-4043-ad45-3687a72f673f" providerId="ADAL" clId="{03CE4198-ADF5-2A42-A6AB-8D7BC650FE71}" dt="2023-03-18T11:21:06.548" v="1091" actId="1036"/>
           <ac:spMkLst>
             <pc:docMk/>
             <pc:sldMk cId="1386632836" sldId="256"/>
@@ -162,15 +162,23 @@
           </ac:spMkLst>
         </pc:spChg>
         <pc:spChg chg="add mod">
-          <ac:chgData name="Diego Picazo García" userId="2e6ed9c7-3c4c-4043-ad45-3687a72f673f" providerId="ADAL" clId="{03CE4198-ADF5-2A42-A6AB-8D7BC650FE71}" dt="2023-03-17T11:04:01.354" v="594" actId="313"/>
+          <ac:chgData name="Diego Picazo García" userId="2e6ed9c7-3c4c-4043-ad45-3687a72f673f" providerId="ADAL" clId="{03CE4198-ADF5-2A42-A6AB-8D7BC650FE71}" dt="2023-03-18T11:17:16.619" v="1053" actId="20577"/>
           <ac:spMkLst>
             <pc:docMk/>
             <pc:sldMk cId="1386632836" sldId="256"/>
             <ac:spMk id="9" creationId="{F50B74D1-D3C4-363B-6E67-387434CF9942}"/>
           </ac:spMkLst>
         </pc:spChg>
-        <pc:picChg chg="mod">
-          <ac:chgData name="Diego Picazo García" userId="2e6ed9c7-3c4c-4043-ad45-3687a72f673f" providerId="ADAL" clId="{03CE4198-ADF5-2A42-A6AB-8D7BC650FE71}" dt="2023-03-17T10:53:20.844" v="412" actId="1076"/>
+        <pc:picChg chg="add mod">
+          <ac:chgData name="Diego Picazo García" userId="2e6ed9c7-3c4c-4043-ad45-3687a72f673f" providerId="ADAL" clId="{03CE4198-ADF5-2A42-A6AB-8D7BC650FE71}" dt="2023-03-18T11:20:42.588" v="1070" actId="14100"/>
+          <ac:picMkLst>
+            <pc:docMk/>
+            <pc:sldMk cId="1386632836" sldId="256"/>
+            <ac:picMk id="3" creationId="{E751BC62-F135-6F6A-929E-860E2395C0E3}"/>
+          </ac:picMkLst>
+        </pc:picChg>
+        <pc:picChg chg="add del mod">
+          <ac:chgData name="Diego Picazo García" userId="2e6ed9c7-3c4c-4043-ad45-3687a72f673f" providerId="ADAL" clId="{03CE4198-ADF5-2A42-A6AB-8D7BC650FE71}" dt="2023-03-18T11:19:25.721" v="1056" actId="478"/>
           <ac:picMkLst>
             <pc:docMk/>
             <pc:sldMk cId="1386632836" sldId="256"/>
@@ -178,14 +186,14 @@
           </ac:picMkLst>
         </pc:picChg>
       </pc:sldChg>
-      <pc:sldChg chg="addSp modSp mod modTransition">
-        <pc:chgData name="Diego Picazo García" userId="2e6ed9c7-3c4c-4043-ad45-3687a72f673f" providerId="ADAL" clId="{03CE4198-ADF5-2A42-A6AB-8D7BC650FE71}" dt="2023-03-17T11:09:52.823" v="751" actId="1076"/>
+      <pc:sldChg chg="addSp delSp modSp mod modTransition">
+        <pc:chgData name="Diego Picazo García" userId="2e6ed9c7-3c4c-4043-ad45-3687a72f673f" providerId="ADAL" clId="{03CE4198-ADF5-2A42-A6AB-8D7BC650FE71}" dt="2023-03-18T11:30:08.914" v="1126" actId="14100"/>
         <pc:sldMkLst>
           <pc:docMk/>
           <pc:sldMk cId="2569565300" sldId="257"/>
         </pc:sldMkLst>
         <pc:spChg chg="add mod">
-          <ac:chgData name="Diego Picazo García" userId="2e6ed9c7-3c4c-4043-ad45-3687a72f673f" providerId="ADAL" clId="{03CE4198-ADF5-2A42-A6AB-8D7BC650FE71}" dt="2023-03-17T11:08:29.820" v="604" actId="1037"/>
+          <ac:chgData name="Diego Picazo García" userId="2e6ed9c7-3c4c-4043-ad45-3687a72f673f" providerId="ADAL" clId="{03CE4198-ADF5-2A42-A6AB-8D7BC650FE71}" dt="2023-03-18T11:21:15.786" v="1099" actId="1036"/>
           <ac:spMkLst>
             <pc:docMk/>
             <pc:sldMk cId="2569565300" sldId="257"/>
@@ -193,15 +201,23 @@
           </ac:spMkLst>
         </pc:spChg>
         <pc:spChg chg="add mod">
-          <ac:chgData name="Diego Picazo García" userId="2e6ed9c7-3c4c-4043-ad45-3687a72f673f" providerId="ADAL" clId="{03CE4198-ADF5-2A42-A6AB-8D7BC650FE71}" dt="2023-03-17T11:09:52.823" v="751" actId="1076"/>
+          <ac:chgData name="Diego Picazo García" userId="2e6ed9c7-3c4c-4043-ad45-3687a72f673f" providerId="ADAL" clId="{03CE4198-ADF5-2A42-A6AB-8D7BC650FE71}" dt="2023-03-18T11:29:15.645" v="1123" actId="1076"/>
           <ac:spMkLst>
             <pc:docMk/>
             <pc:sldMk cId="2569565300" sldId="257"/>
             <ac:spMk id="4" creationId="{3079E69A-228A-394B-9C78-31EA15DBE25B}"/>
           </ac:spMkLst>
         </pc:spChg>
-        <pc:picChg chg="mod">
-          <ac:chgData name="Diego Picazo García" userId="2e6ed9c7-3c4c-4043-ad45-3687a72f673f" providerId="ADAL" clId="{03CE4198-ADF5-2A42-A6AB-8D7BC650FE71}" dt="2023-03-17T11:03:07.468" v="580" actId="14100"/>
+        <pc:spChg chg="add del mod">
+          <ac:chgData name="Diego Picazo García" userId="2e6ed9c7-3c4c-4043-ad45-3687a72f673f" providerId="ADAL" clId="{03CE4198-ADF5-2A42-A6AB-8D7BC650FE71}" dt="2023-03-18T11:27:30.965" v="1109"/>
+          <ac:spMkLst>
+            <pc:docMk/>
+            <pc:sldMk cId="2569565300" sldId="257"/>
+            <ac:spMk id="7" creationId="{E7B01ACA-C968-A790-DF0B-4B6BA67E18BB}"/>
+          </ac:spMkLst>
+        </pc:spChg>
+        <pc:picChg chg="del mod">
+          <ac:chgData name="Diego Picazo García" userId="2e6ed9c7-3c4c-4043-ad45-3687a72f673f" providerId="ADAL" clId="{03CE4198-ADF5-2A42-A6AB-8D7BC650FE71}" dt="2023-03-18T11:27:03.998" v="1102" actId="478"/>
           <ac:picMkLst>
             <pc:docMk/>
             <pc:sldMk cId="2569565300" sldId="257"/>
@@ -209,11 +225,27 @@
           </ac:picMkLst>
         </pc:picChg>
         <pc:picChg chg="add mod">
-          <ac:chgData name="Diego Picazo García" userId="2e6ed9c7-3c4c-4043-ad45-3687a72f673f" providerId="ADAL" clId="{03CE4198-ADF5-2A42-A6AB-8D7BC650FE71}" dt="2023-03-17T11:03:04.835" v="579" actId="14100"/>
+          <ac:chgData name="Diego Picazo García" userId="2e6ed9c7-3c4c-4043-ad45-3687a72f673f" providerId="ADAL" clId="{03CE4198-ADF5-2A42-A6AB-8D7BC650FE71}" dt="2023-03-18T11:30:08.914" v="1126" actId="14100"/>
+          <ac:picMkLst>
+            <pc:docMk/>
+            <pc:sldMk cId="2569565300" sldId="257"/>
+            <ac:picMk id="5" creationId="{F23D8D28-7DA9-98EB-3A20-7F457AF00370}"/>
+          </ac:picMkLst>
+        </pc:picChg>
+        <pc:picChg chg="add del mod">
+          <ac:chgData name="Diego Picazo García" userId="2e6ed9c7-3c4c-4043-ad45-3687a72f673f" providerId="ADAL" clId="{03CE4198-ADF5-2A42-A6AB-8D7BC650FE71}" dt="2023-03-18T11:28:37.903" v="1115" actId="478"/>
           <ac:picMkLst>
             <pc:docMk/>
             <pc:sldMk cId="2569565300" sldId="257"/>
             <ac:picMk id="6" creationId="{24F8EF77-E146-203D-B2D6-FC63FF23E0BC}"/>
+          </ac:picMkLst>
+        </pc:picChg>
+        <pc:picChg chg="add mod">
+          <ac:chgData name="Diego Picazo García" userId="2e6ed9c7-3c4c-4043-ad45-3687a72f673f" providerId="ADAL" clId="{03CE4198-ADF5-2A42-A6AB-8D7BC650FE71}" dt="2023-03-18T11:29:52.883" v="1125" actId="170"/>
+          <ac:picMkLst>
+            <pc:docMk/>
+            <pc:sldMk cId="2569565300" sldId="257"/>
+            <ac:picMk id="8" creationId="{15F09B3E-BB17-B001-47C2-6DE59F4F65D0}"/>
           </ac:picMkLst>
         </pc:picChg>
       </pc:sldChg>
@@ -464,7 +496,7 @@
           <a:p>
             <a:fld id="{AB9C31CE-B73E-5846-8C87-7B2D26B7F51F}" type="datetimeFigureOut">
               <a:rPr lang="es-ES" smtClean="0"/>
-              <a:t>17/3/23</a:t>
+              <a:t>18/3/23</a:t>
             </a:fld>
             <a:endParaRPr lang="es-ES"/>
           </a:p>
@@ -662,7 +694,7 @@
           <a:p>
             <a:fld id="{AB9C31CE-B73E-5846-8C87-7B2D26B7F51F}" type="datetimeFigureOut">
               <a:rPr lang="es-ES" smtClean="0"/>
-              <a:t>17/3/23</a:t>
+              <a:t>18/3/23</a:t>
             </a:fld>
             <a:endParaRPr lang="es-ES"/>
           </a:p>
@@ -870,7 +902,7 @@
           <a:p>
             <a:fld id="{AB9C31CE-B73E-5846-8C87-7B2D26B7F51F}" type="datetimeFigureOut">
               <a:rPr lang="es-ES" smtClean="0"/>
-              <a:t>17/3/23</a:t>
+              <a:t>18/3/23</a:t>
             </a:fld>
             <a:endParaRPr lang="es-ES"/>
           </a:p>
@@ -1068,7 +1100,7 @@
           <a:p>
             <a:fld id="{AB9C31CE-B73E-5846-8C87-7B2D26B7F51F}" type="datetimeFigureOut">
               <a:rPr lang="es-ES" smtClean="0"/>
-              <a:t>17/3/23</a:t>
+              <a:t>18/3/23</a:t>
             </a:fld>
             <a:endParaRPr lang="es-ES"/>
           </a:p>
@@ -1343,7 +1375,7 @@
           <a:p>
             <a:fld id="{AB9C31CE-B73E-5846-8C87-7B2D26B7F51F}" type="datetimeFigureOut">
               <a:rPr lang="es-ES" smtClean="0"/>
-              <a:t>17/3/23</a:t>
+              <a:t>18/3/23</a:t>
             </a:fld>
             <a:endParaRPr lang="es-ES"/>
           </a:p>
@@ -1608,7 +1640,7 @@
           <a:p>
             <a:fld id="{AB9C31CE-B73E-5846-8C87-7B2D26B7F51F}" type="datetimeFigureOut">
               <a:rPr lang="es-ES" smtClean="0"/>
-              <a:t>17/3/23</a:t>
+              <a:t>18/3/23</a:t>
             </a:fld>
             <a:endParaRPr lang="es-ES"/>
           </a:p>
@@ -2020,7 +2052,7 @@
           <a:p>
             <a:fld id="{AB9C31CE-B73E-5846-8C87-7B2D26B7F51F}" type="datetimeFigureOut">
               <a:rPr lang="es-ES" smtClean="0"/>
-              <a:t>17/3/23</a:t>
+              <a:t>18/3/23</a:t>
             </a:fld>
             <a:endParaRPr lang="es-ES"/>
           </a:p>
@@ -2161,7 +2193,7 @@
           <a:p>
             <a:fld id="{AB9C31CE-B73E-5846-8C87-7B2D26B7F51F}" type="datetimeFigureOut">
               <a:rPr lang="es-ES" smtClean="0"/>
-              <a:t>17/3/23</a:t>
+              <a:t>18/3/23</a:t>
             </a:fld>
             <a:endParaRPr lang="es-ES"/>
           </a:p>
@@ -2274,7 +2306,7 @@
           <a:p>
             <a:fld id="{AB9C31CE-B73E-5846-8C87-7B2D26B7F51F}" type="datetimeFigureOut">
               <a:rPr lang="es-ES" smtClean="0"/>
-              <a:t>17/3/23</a:t>
+              <a:t>18/3/23</a:t>
             </a:fld>
             <a:endParaRPr lang="es-ES"/>
           </a:p>
@@ -2585,7 +2617,7 @@
           <a:p>
             <a:fld id="{AB9C31CE-B73E-5846-8C87-7B2D26B7F51F}" type="datetimeFigureOut">
               <a:rPr lang="es-ES" smtClean="0"/>
-              <a:t>17/3/23</a:t>
+              <a:t>18/3/23</a:t>
             </a:fld>
             <a:endParaRPr lang="es-ES"/>
           </a:p>
@@ -2873,7 +2905,7 @@
           <a:p>
             <a:fld id="{AB9C31CE-B73E-5846-8C87-7B2D26B7F51F}" type="datetimeFigureOut">
               <a:rPr lang="es-ES" smtClean="0"/>
-              <a:t>17/3/23</a:t>
+              <a:t>18/3/23</a:t>
             </a:fld>
             <a:endParaRPr lang="es-ES"/>
           </a:p>
@@ -3114,7 +3146,7 @@
           <a:p>
             <a:fld id="{AB9C31CE-B73E-5846-8C87-7B2D26B7F51F}" type="datetimeFigureOut">
               <a:rPr lang="es-ES" smtClean="0"/>
-              <a:t>17/3/23</a:t>
+              <a:t>18/3/23</a:t>
             </a:fld>
             <a:endParaRPr lang="es-ES"/>
           </a:p>
@@ -4269,10 +4301,6 @@
               </a:rPr>
               <a:t>TERCER CURSO</a:t>
             </a:r>
-            <a:endParaRPr lang="es-ES" sz="2800" dirty="0">
-              <a:latin typeface="JetBrains Mono Medium" panose="02000009000000000000" pitchFamily="49" charset="0"/>
-              <a:cs typeface="JetBrains Mono Medium" panose="02000009000000000000" pitchFamily="49" charset="0"/>
-            </a:endParaRPr>
           </a:p>
           <a:p>
             <a:pPr algn="ctr"/>
@@ -4405,13 +4433,10 @@
       </p:grpSpPr>
       <p:pic>
         <p:nvPicPr>
-          <p:cNvPr id="5" name="Imagen 4" descr="Primer test del caso inicial&#10;">
-            <a:extLst>
-              <a:ext uri="{FF2B5EF4-FFF2-40B4-BE49-F238E27FC236}">
-                <a16:creationId xmlns:a16="http://schemas.microsoft.com/office/drawing/2014/main" id="{A02FA91D-B24A-AFA1-0F3A-E7B5668F63C6}"/>
-              </a:ext>
-              <a:ext uri="{C183D7F6-B498-43B3-948B-1728B52AA6E4}">
-                <adec:decorative xmlns:adec="http://schemas.microsoft.com/office/drawing/2017/decorative" val="0"/>
+          <p:cNvPr id="3" name="Imagen 2" descr="Texto&#10;&#10;Descripción generada automáticamente">
+            <a:extLst>
+              <a:ext uri="{FF2B5EF4-FFF2-40B4-BE49-F238E27FC236}">
+                <a16:creationId xmlns:a16="http://schemas.microsoft.com/office/drawing/2014/main" id="{E751BC62-F135-6F6A-929E-860E2395C0E3}"/>
               </a:ext>
             </a:extLst>
           </p:cNvPr>
@@ -4429,7 +4454,7 @@
         <p:spPr>
           <a:xfrm>
             <a:off x="0" y="0"/>
-            <a:ext cx="12280604" cy="7211283"/>
+            <a:ext cx="12192000" cy="6973202"/>
           </a:xfrm>
           <a:prstGeom prst="rect">
             <a:avLst/>
@@ -4450,7 +4475,7 @@
         </p:nvSpPr>
         <p:spPr>
           <a:xfrm>
-            <a:off x="9593923" y="0"/>
+            <a:off x="9593923" y="98856"/>
             <a:ext cx="2420856" cy="769441"/>
           </a:xfrm>
           <a:prstGeom prst="rect">
@@ -4537,7 +4562,7 @@
               <a:t>Desarrollamos lo mínimo indispensable para que nuestro Test compile. Hemos creado las clases </a:t>
             </a:r>
             <a:r>
-              <a:rPr lang="es-ES" sz="1400" u="sng" dirty="0">
+              <a:rPr lang="es-ES" sz="1400" u="sng" dirty="0" err="1">
                 <a:solidFill>
                   <a:schemeClr val="tx1">
                     <a:lumMod val="85000"/>
@@ -4547,7 +4572,7 @@
                 <a:latin typeface="JetBrains Mono Medium" panose="02000009000000000000" pitchFamily="49" charset="0"/>
                 <a:cs typeface="JetBrains Mono Medium" panose="02000009000000000000" pitchFamily="49" charset="0"/>
               </a:rPr>
-              <a:t>Carta</a:t>
+              <a:t>Card</a:t>
             </a:r>
             <a:r>
               <a:rPr lang="es-ES" sz="1400" dirty="0">
@@ -4563,7 +4588,7 @@
               <a:t> y </a:t>
             </a:r>
             <a:r>
-              <a:rPr lang="es-ES" sz="1400" u="sng" dirty="0">
+              <a:rPr lang="es-ES" sz="1400" u="sng" dirty="0" err="1">
                 <a:solidFill>
                   <a:schemeClr val="tx1">
                     <a:lumMod val="85000"/>
@@ -4573,7 +4598,7 @@
                 <a:latin typeface="JetBrains Mono Medium" panose="02000009000000000000" pitchFamily="49" charset="0"/>
                 <a:cs typeface="JetBrains Mono Medium" panose="02000009000000000000" pitchFamily="49" charset="0"/>
               </a:rPr>
-              <a:t>Combate</a:t>
+              <a:t>Combat</a:t>
             </a:r>
             <a:r>
               <a:rPr lang="es-ES" sz="1400" dirty="0">
@@ -4662,10 +4687,10 @@
       </p:grpSpPr>
       <p:pic>
         <p:nvPicPr>
-          <p:cNvPr id="3" name="Imagen 2" descr="Texto&#10;&#10;Descripción generada automáticamente">
-            <a:extLst>
-              <a:ext uri="{FF2B5EF4-FFF2-40B4-BE49-F238E27FC236}">
-                <a16:creationId xmlns:a16="http://schemas.microsoft.com/office/drawing/2014/main" id="{9AA207EA-CD1B-3C8F-40E4-D6006E8F8017}"/>
+          <p:cNvPr id="5" name="Imagen 4">
+            <a:extLst>
+              <a:ext uri="{FF2B5EF4-FFF2-40B4-BE49-F238E27FC236}">
+                <a16:creationId xmlns:a16="http://schemas.microsoft.com/office/drawing/2014/main" id="{F23D8D28-7DA9-98EB-3A20-7F457AF00370}"/>
               </a:ext>
             </a:extLst>
           </p:cNvPr>
@@ -4682,8 +4707,8 @@
         </p:blipFill>
         <p:spPr>
           <a:xfrm>
-            <a:off x="-1" y="0"/>
-            <a:ext cx="12192001" cy="3000375"/>
+            <a:off x="-2" y="0"/>
+            <a:ext cx="12192001" cy="2693773"/>
           </a:xfrm>
           <a:prstGeom prst="rect">
             <a:avLst/>
@@ -4692,10 +4717,10 @@
       </p:pic>
       <p:pic>
         <p:nvPicPr>
-          <p:cNvPr id="6" name="Imagen 5" descr="Texto&#10;&#10;Descripción generada automáticamente">
-            <a:extLst>
-              <a:ext uri="{FF2B5EF4-FFF2-40B4-BE49-F238E27FC236}">
-                <a16:creationId xmlns:a16="http://schemas.microsoft.com/office/drawing/2014/main" id="{24F8EF77-E146-203D-B2D6-FC63FF23E0BC}"/>
+          <p:cNvPr id="8" name="Imagen 7">
+            <a:extLst>
+              <a:ext uri="{FF2B5EF4-FFF2-40B4-BE49-F238E27FC236}">
+                <a16:creationId xmlns:a16="http://schemas.microsoft.com/office/drawing/2014/main" id="{15F09B3E-BB17-B001-47C2-6DE59F4F65D0}"/>
               </a:ext>
             </a:extLst>
           </p:cNvPr>
@@ -4712,8 +4737,8 @@
         </p:blipFill>
         <p:spPr>
           <a:xfrm>
-            <a:off x="0" y="2307265"/>
-            <a:ext cx="12192000" cy="4550735"/>
+            <a:off x="-2" y="2397210"/>
+            <a:ext cx="12192001" cy="4460789"/>
           </a:xfrm>
           <a:prstGeom prst="rect">
             <a:avLst/>
@@ -4734,7 +4759,7 @@
         </p:nvSpPr>
         <p:spPr>
           <a:xfrm>
-            <a:off x="9593923" y="0"/>
+            <a:off x="9593923" y="98856"/>
             <a:ext cx="2595582" cy="769441"/>
           </a:xfrm>
           <a:prstGeom prst="rect">
@@ -4774,7 +4799,7 @@
         </p:nvSpPr>
         <p:spPr>
           <a:xfrm>
-            <a:off x="5326912" y="2541226"/>
+            <a:off x="6834436" y="2306448"/>
             <a:ext cx="4904958" cy="818707"/>
           </a:xfrm>
           <a:prstGeom prst="roundRect">

--- a/_memory/Memoria.pptx
+++ b/_memory/Memoria.pptx
@@ -8,6 +8,7 @@
     <p:sldId id="258" r:id="rId2"/>
     <p:sldId id="256" r:id="rId3"/>
     <p:sldId id="257" r:id="rId4"/>
+    <p:sldId id="259" r:id="rId5"/>
   </p:sldIdLst>
   <p:sldSz cx="12192000" cy="6858000"/>
   <p:notesSz cx="6858000" cy="9144000"/>
@@ -117,7 +118,7 @@
 <file path=ppt/revisionInfo.xml><?xml version="1.0" encoding="utf-8"?>
 <p1510:revInfo xmlns:a="http://schemas.openxmlformats.org/drawingml/2006/main" xmlns:r="http://schemas.openxmlformats.org/officeDocument/2006/relationships" xmlns:p1510="http://schemas.microsoft.com/office/powerpoint/2015/10/main">
   <p1510:revLst>
-    <p1510:client id="{03CE4198-ADF5-2A42-A6AB-8D7BC650FE71}" v="23" dt="2023-03-18T11:29:52.883"/>
+    <p1510:client id="{03CE4198-ADF5-2A42-A6AB-8D7BC650FE71}" v="31" dt="2023-03-18T12:02:57.045"/>
   </p1510:revLst>
 </p1510:revInfo>
 </file>
@@ -127,12 +128,12 @@
   <pc:docChgLst>
     <pc:chgData name="Diego Picazo García" userId="2e6ed9c7-3c4c-4043-ad45-3687a72f673f" providerId="ADAL" clId="{03CE4198-ADF5-2A42-A6AB-8D7BC650FE71}"/>
     <pc:docChg chg="undo custSel addSld modSld sldOrd">
-      <pc:chgData name="Diego Picazo García" userId="2e6ed9c7-3c4c-4043-ad45-3687a72f673f" providerId="ADAL" clId="{03CE4198-ADF5-2A42-A6AB-8D7BC650FE71}" dt="2023-03-18T11:30:08.914" v="1126" actId="14100"/>
+      <pc:chgData name="Diego Picazo García" userId="2e6ed9c7-3c4c-4043-ad45-3687a72f673f" providerId="ADAL" clId="{03CE4198-ADF5-2A42-A6AB-8D7BC650FE71}" dt="2023-03-18T12:03:00.892" v="1154" actId="20577"/>
       <pc:docMkLst>
         <pc:docMk/>
       </pc:docMkLst>
       <pc:sldChg chg="addSp delSp modSp mod modTransition">
-        <pc:chgData name="Diego Picazo García" userId="2e6ed9c7-3c4c-4043-ad45-3687a72f673f" providerId="ADAL" clId="{03CE4198-ADF5-2A42-A6AB-8D7BC650FE71}" dt="2023-03-18T11:21:06.548" v="1091" actId="1036"/>
+        <pc:chgData name="Diego Picazo García" userId="2e6ed9c7-3c4c-4043-ad45-3687a72f673f" providerId="ADAL" clId="{03CE4198-ADF5-2A42-A6AB-8D7BC650FE71}" dt="2023-03-18T11:59:19.895" v="1151" actId="167"/>
         <pc:sldMkLst>
           <pc:docMk/>
           <pc:sldMk cId="1386632836" sldId="256"/>
@@ -169,12 +170,20 @@
             <ac:spMk id="9" creationId="{F50B74D1-D3C4-363B-6E67-387434CF9942}"/>
           </ac:spMkLst>
         </pc:spChg>
-        <pc:picChg chg="add mod">
-          <ac:chgData name="Diego Picazo García" userId="2e6ed9c7-3c4c-4043-ad45-3687a72f673f" providerId="ADAL" clId="{03CE4198-ADF5-2A42-A6AB-8D7BC650FE71}" dt="2023-03-18T11:20:42.588" v="1070" actId="14100"/>
+        <pc:picChg chg="add del mod">
+          <ac:chgData name="Diego Picazo García" userId="2e6ed9c7-3c4c-4043-ad45-3687a72f673f" providerId="ADAL" clId="{03CE4198-ADF5-2A42-A6AB-8D7BC650FE71}" dt="2023-03-18T11:59:07.393" v="1148" actId="478"/>
           <ac:picMkLst>
             <pc:docMk/>
             <pc:sldMk cId="1386632836" sldId="256"/>
             <ac:picMk id="3" creationId="{E751BC62-F135-6F6A-929E-860E2395C0E3}"/>
+          </ac:picMkLst>
+        </pc:picChg>
+        <pc:picChg chg="add mod">
+          <ac:chgData name="Diego Picazo García" userId="2e6ed9c7-3c4c-4043-ad45-3687a72f673f" providerId="ADAL" clId="{03CE4198-ADF5-2A42-A6AB-8D7BC650FE71}" dt="2023-03-18T11:59:19.895" v="1151" actId="167"/>
+          <ac:picMkLst>
+            <pc:docMk/>
+            <pc:sldMk cId="1386632836" sldId="256"/>
+            <ac:picMk id="4" creationId="{27E8B826-9715-29EB-15C2-84AA08E7EAF7}"/>
           </ac:picMkLst>
         </pc:picChg>
         <pc:picChg chg="add del mod">
@@ -187,7 +196,7 @@
         </pc:picChg>
       </pc:sldChg>
       <pc:sldChg chg="addSp delSp modSp mod modTransition">
-        <pc:chgData name="Diego Picazo García" userId="2e6ed9c7-3c4c-4043-ad45-3687a72f673f" providerId="ADAL" clId="{03CE4198-ADF5-2A42-A6AB-8D7BC650FE71}" dt="2023-03-18T11:30:08.914" v="1126" actId="14100"/>
+        <pc:chgData name="Diego Picazo García" userId="2e6ed9c7-3c4c-4043-ad45-3687a72f673f" providerId="ADAL" clId="{03CE4198-ADF5-2A42-A6AB-8D7BC650FE71}" dt="2023-03-18T11:57:41.464" v="1146" actId="14100"/>
         <pc:sldMkLst>
           <pc:docMk/>
           <pc:sldMk cId="2569565300" sldId="257"/>
@@ -224,8 +233,8 @@
             <ac:picMk id="3" creationId="{9AA207EA-CD1B-3C8F-40E4-D6006E8F8017}"/>
           </ac:picMkLst>
         </pc:picChg>
-        <pc:picChg chg="add mod">
-          <ac:chgData name="Diego Picazo García" userId="2e6ed9c7-3c4c-4043-ad45-3687a72f673f" providerId="ADAL" clId="{03CE4198-ADF5-2A42-A6AB-8D7BC650FE71}" dt="2023-03-18T11:30:08.914" v="1126" actId="14100"/>
+        <pc:picChg chg="add del mod">
+          <ac:chgData name="Diego Picazo García" userId="2e6ed9c7-3c4c-4043-ad45-3687a72f673f" providerId="ADAL" clId="{03CE4198-ADF5-2A42-A6AB-8D7BC650FE71}" dt="2023-03-18T11:57:18.795" v="1140" actId="478"/>
           <ac:picMkLst>
             <pc:docMk/>
             <pc:sldMk cId="2569565300" sldId="257"/>
@@ -240,12 +249,36 @@
             <ac:picMk id="6" creationId="{24F8EF77-E146-203D-B2D6-FC63FF23E0BC}"/>
           </ac:picMkLst>
         </pc:picChg>
-        <pc:picChg chg="add mod">
-          <ac:chgData name="Diego Picazo García" userId="2e6ed9c7-3c4c-4043-ad45-3687a72f673f" providerId="ADAL" clId="{03CE4198-ADF5-2A42-A6AB-8D7BC650FE71}" dt="2023-03-18T11:29:52.883" v="1125" actId="170"/>
+        <pc:picChg chg="add del mod">
+          <ac:chgData name="Diego Picazo García" userId="2e6ed9c7-3c4c-4043-ad45-3687a72f673f" providerId="ADAL" clId="{03CE4198-ADF5-2A42-A6AB-8D7BC650FE71}" dt="2023-03-18T11:54:20.518" v="1131" actId="478"/>
           <ac:picMkLst>
             <pc:docMk/>
             <pc:sldMk cId="2569565300" sldId="257"/>
             <ac:picMk id="8" creationId="{15F09B3E-BB17-B001-47C2-6DE59F4F65D0}"/>
+          </ac:picMkLst>
+        </pc:picChg>
+        <pc:picChg chg="add del mod">
+          <ac:chgData name="Diego Picazo García" userId="2e6ed9c7-3c4c-4043-ad45-3687a72f673f" providerId="ADAL" clId="{03CE4198-ADF5-2A42-A6AB-8D7BC650FE71}" dt="2023-03-18T11:53:43.250" v="1129" actId="478"/>
+          <ac:picMkLst>
+            <pc:docMk/>
+            <pc:sldMk cId="2569565300" sldId="257"/>
+            <ac:picMk id="9" creationId="{B2DF3A9F-CD5B-6ACA-CE9A-6FC3C910E7F4}"/>
+          </ac:picMkLst>
+        </pc:picChg>
+        <pc:picChg chg="add mod">
+          <ac:chgData name="Diego Picazo García" userId="2e6ed9c7-3c4c-4043-ad45-3687a72f673f" providerId="ADAL" clId="{03CE4198-ADF5-2A42-A6AB-8D7BC650FE71}" dt="2023-03-18T11:54:45.372" v="1138" actId="171"/>
+          <ac:picMkLst>
+            <pc:docMk/>
+            <pc:sldMk cId="2569565300" sldId="257"/>
+            <ac:picMk id="10" creationId="{4AD9380E-9BAC-6274-0464-C9E0FD4E1F32}"/>
+          </ac:picMkLst>
+        </pc:picChg>
+        <pc:picChg chg="add mod">
+          <ac:chgData name="Diego Picazo García" userId="2e6ed9c7-3c4c-4043-ad45-3687a72f673f" providerId="ADAL" clId="{03CE4198-ADF5-2A42-A6AB-8D7BC650FE71}" dt="2023-03-18T11:57:41.464" v="1146" actId="14100"/>
+          <ac:picMkLst>
+            <pc:docMk/>
+            <pc:sldMk cId="2569565300" sldId="257"/>
+            <ac:picMk id="11" creationId="{55A4DED5-3220-8996-586F-9FC488D3E905}"/>
           </ac:picMkLst>
         </pc:picChg>
       </pc:sldChg>
@@ -343,6 +376,21 @@
             <ac:picMk id="13" creationId="{F2AFF50A-D7CF-4608-CA8C-3F4510E710DA}"/>
           </ac:picMkLst>
         </pc:picChg>
+      </pc:sldChg>
+      <pc:sldChg chg="modSp add mod">
+        <pc:chgData name="Diego Picazo García" userId="2e6ed9c7-3c4c-4043-ad45-3687a72f673f" providerId="ADAL" clId="{03CE4198-ADF5-2A42-A6AB-8D7BC650FE71}" dt="2023-03-18T12:03:00.892" v="1154" actId="20577"/>
+        <pc:sldMkLst>
+          <pc:docMk/>
+          <pc:sldMk cId="115320694" sldId="259"/>
+        </pc:sldMkLst>
+        <pc:spChg chg="mod">
+          <ac:chgData name="Diego Picazo García" userId="2e6ed9c7-3c4c-4043-ad45-3687a72f673f" providerId="ADAL" clId="{03CE4198-ADF5-2A42-A6AB-8D7BC650FE71}" dt="2023-03-18T12:03:00.892" v="1154" actId="20577"/>
+          <ac:spMkLst>
+            <pc:docMk/>
+            <pc:sldMk cId="115320694" sldId="259"/>
+            <ac:spMk id="6" creationId="{F8BBC053-013B-B9CD-1CEC-72A2A0D0F30C}"/>
+          </ac:spMkLst>
+        </pc:spChg>
       </pc:sldChg>
     </pc:docChg>
   </pc:docChgLst>
@@ -4433,10 +4481,10 @@
       </p:grpSpPr>
       <p:pic>
         <p:nvPicPr>
-          <p:cNvPr id="3" name="Imagen 2" descr="Texto&#10;&#10;Descripción generada automáticamente">
-            <a:extLst>
-              <a:ext uri="{FF2B5EF4-FFF2-40B4-BE49-F238E27FC236}">
-                <a16:creationId xmlns:a16="http://schemas.microsoft.com/office/drawing/2014/main" id="{E751BC62-F135-6F6A-929E-860E2395C0E3}"/>
+          <p:cNvPr id="4" name="Imagen 3">
+            <a:extLst>
+              <a:ext uri="{FF2B5EF4-FFF2-40B4-BE49-F238E27FC236}">
+                <a16:creationId xmlns:a16="http://schemas.microsoft.com/office/drawing/2014/main" id="{27E8B826-9715-29EB-15C2-84AA08E7EAF7}"/>
               </a:ext>
             </a:extLst>
           </p:cNvPr>
@@ -4454,7 +4502,7 @@
         <p:spPr>
           <a:xfrm>
             <a:off x="0" y="0"/>
-            <a:ext cx="12192000" cy="6973202"/>
+            <a:ext cx="12192000" cy="6858000"/>
           </a:xfrm>
           <a:prstGeom prst="rect">
             <a:avLst/>
@@ -4687,10 +4735,10 @@
       </p:grpSpPr>
       <p:pic>
         <p:nvPicPr>
-          <p:cNvPr id="5" name="Imagen 4">
-            <a:extLst>
-              <a:ext uri="{FF2B5EF4-FFF2-40B4-BE49-F238E27FC236}">
-                <a16:creationId xmlns:a16="http://schemas.microsoft.com/office/drawing/2014/main" id="{F23D8D28-7DA9-98EB-3A20-7F457AF00370}"/>
+          <p:cNvPr id="11" name="Imagen 10">
+            <a:extLst>
+              <a:ext uri="{FF2B5EF4-FFF2-40B4-BE49-F238E27FC236}">
+                <a16:creationId xmlns:a16="http://schemas.microsoft.com/office/drawing/2014/main" id="{55A4DED5-3220-8996-586F-9FC488D3E905}"/>
               </a:ext>
             </a:extLst>
           </p:cNvPr>
@@ -4707,20 +4755,60 @@
         </p:blipFill>
         <p:spPr>
           <a:xfrm>
-            <a:off x="-2" y="0"/>
-            <a:ext cx="12192001" cy="2693773"/>
+            <a:off x="-1" y="0"/>
+            <a:ext cx="12189506" cy="2686054"/>
           </a:xfrm>
           <a:prstGeom prst="rect">
             <a:avLst/>
           </a:prstGeom>
         </p:spPr>
       </p:pic>
+      <p:sp>
+        <p:nvSpPr>
+          <p:cNvPr id="2" name="CuadroTexto 1">
+            <a:extLst>
+              <a:ext uri="{FF2B5EF4-FFF2-40B4-BE49-F238E27FC236}">
+                <a16:creationId xmlns:a16="http://schemas.microsoft.com/office/drawing/2014/main" id="{57756C93-9D81-7D0D-2834-141BF55E261A}"/>
+              </a:ext>
+            </a:extLst>
+          </p:cNvPr>
+          <p:cNvSpPr txBox="1"/>
+          <p:nvPr/>
+        </p:nvSpPr>
+        <p:spPr>
+          <a:xfrm>
+            <a:off x="9593923" y="98856"/>
+            <a:ext cx="2595582" cy="769441"/>
+          </a:xfrm>
+          <a:prstGeom prst="rect">
+            <a:avLst/>
+          </a:prstGeom>
+          <a:noFill/>
+        </p:spPr>
+        <p:txBody>
+          <a:bodyPr wrap="none" rtlCol="0">
+            <a:spAutoFit/>
+          </a:bodyPr>
+          <a:lstStyle/>
+          <a:p>
+            <a:r>
+              <a:rPr lang="es-ES" sz="4400" dirty="0">
+                <a:solidFill>
+                  <a:schemeClr val="bg1"/>
+                </a:solidFill>
+                <a:latin typeface="Desdemona" pitchFamily="82" charset="77"/>
+              </a:rPr>
+              <a:t>TEST1.PASS</a:t>
+            </a:r>
+          </a:p>
+        </p:txBody>
+      </p:sp>
       <p:pic>
         <p:nvPicPr>
-          <p:cNvPr id="8" name="Imagen 7">
-            <a:extLst>
-              <a:ext uri="{FF2B5EF4-FFF2-40B4-BE49-F238E27FC236}">
-                <a16:creationId xmlns:a16="http://schemas.microsoft.com/office/drawing/2014/main" id="{15F09B3E-BB17-B001-47C2-6DE59F4F65D0}"/>
+          <p:cNvPr id="10" name="Imagen 9">
+            <a:extLst>
+              <a:ext uri="{FF2B5EF4-FFF2-40B4-BE49-F238E27FC236}">
+                <a16:creationId xmlns:a16="http://schemas.microsoft.com/office/drawing/2014/main" id="{4AD9380E-9BAC-6274-0464-C9E0FD4E1F32}"/>
               </a:ext>
             </a:extLst>
           </p:cNvPr>
@@ -4737,54 +4825,14 @@
         </p:blipFill>
         <p:spPr>
           <a:xfrm>
-            <a:off x="-2" y="2397210"/>
-            <a:ext cx="12192001" cy="4460789"/>
+            <a:off x="0" y="2686054"/>
+            <a:ext cx="12191996" cy="4171945"/>
           </a:xfrm>
           <a:prstGeom prst="rect">
             <a:avLst/>
           </a:prstGeom>
         </p:spPr>
       </p:pic>
-      <p:sp>
-        <p:nvSpPr>
-          <p:cNvPr id="2" name="CuadroTexto 1">
-            <a:extLst>
-              <a:ext uri="{FF2B5EF4-FFF2-40B4-BE49-F238E27FC236}">
-                <a16:creationId xmlns:a16="http://schemas.microsoft.com/office/drawing/2014/main" id="{57756C93-9D81-7D0D-2834-141BF55E261A}"/>
-              </a:ext>
-            </a:extLst>
-          </p:cNvPr>
-          <p:cNvSpPr txBox="1"/>
-          <p:nvPr/>
-        </p:nvSpPr>
-        <p:spPr>
-          <a:xfrm>
-            <a:off x="9593923" y="98856"/>
-            <a:ext cx="2595582" cy="769441"/>
-          </a:xfrm>
-          <a:prstGeom prst="rect">
-            <a:avLst/>
-          </a:prstGeom>
-          <a:noFill/>
-        </p:spPr>
-        <p:txBody>
-          <a:bodyPr wrap="none" rtlCol="0">
-            <a:spAutoFit/>
-          </a:bodyPr>
-          <a:lstStyle/>
-          <a:p>
-            <a:r>
-              <a:rPr lang="es-ES" sz="4400" dirty="0">
-                <a:solidFill>
-                  <a:schemeClr val="bg1"/>
-                </a:solidFill>
-                <a:latin typeface="Desdemona" pitchFamily="82" charset="77"/>
-              </a:rPr>
-              <a:t>TEST1.PASS</a:t>
-            </a:r>
-          </a:p>
-        </p:txBody>
-      </p:sp>
       <p:sp>
         <p:nvSpPr>
           <p:cNvPr id="4" name="Rectángulo redondeado 3">
@@ -4878,6 +4926,260 @@
     <p:extLst>
       <p:ext uri="{BB962C8B-B14F-4D97-AF65-F5344CB8AC3E}">
         <p14:creationId xmlns:p14="http://schemas.microsoft.com/office/powerpoint/2010/main" val="2569565300"/>
+      </p:ext>
+    </p:extLst>
+  </p:cSld>
+  <p:clrMapOvr>
+    <a:masterClrMapping/>
+  </p:clrMapOvr>
+</p:sld>
+</file>
+
+<file path=ppt/slides/slide4.xml><?xml version="1.0" encoding="utf-8"?>
+<p:sld xmlns:a="http://schemas.openxmlformats.org/drawingml/2006/main" xmlns:r="http://schemas.openxmlformats.org/officeDocument/2006/relationships" xmlns:p="http://schemas.openxmlformats.org/presentationml/2006/main">
+  <p:cSld>
+    <p:spTree>
+      <p:nvGrpSpPr>
+        <p:cNvPr id="1" name=""/>
+        <p:cNvGrpSpPr/>
+        <p:nvPr/>
+      </p:nvGrpSpPr>
+      <p:grpSpPr>
+        <a:xfrm>
+          <a:off x="0" y="0"/>
+          <a:ext cx="0" cy="0"/>
+          <a:chOff x="0" y="0"/>
+          <a:chExt cx="0" cy="0"/>
+        </a:xfrm>
+      </p:grpSpPr>
+      <p:pic>
+        <p:nvPicPr>
+          <p:cNvPr id="4" name="Imagen 3">
+            <a:extLst>
+              <a:ext uri="{FF2B5EF4-FFF2-40B4-BE49-F238E27FC236}">
+                <a16:creationId xmlns:a16="http://schemas.microsoft.com/office/drawing/2014/main" id="{27E8B826-9715-29EB-15C2-84AA08E7EAF7}"/>
+              </a:ext>
+            </a:extLst>
+          </p:cNvPr>
+          <p:cNvPicPr>
+            <a:picLocks noChangeAspect="1"/>
+          </p:cNvPicPr>
+          <p:nvPr/>
+        </p:nvPicPr>
+        <p:blipFill>
+          <a:blip r:embed="rId2"/>
+          <a:stretch>
+            <a:fillRect/>
+          </a:stretch>
+        </p:blipFill>
+        <p:spPr>
+          <a:xfrm>
+            <a:off x="0" y="0"/>
+            <a:ext cx="12192000" cy="6858000"/>
+          </a:xfrm>
+          <a:prstGeom prst="rect">
+            <a:avLst/>
+          </a:prstGeom>
+        </p:spPr>
+      </p:pic>
+      <p:sp>
+        <p:nvSpPr>
+          <p:cNvPr id="6" name="CuadroTexto 5">
+            <a:extLst>
+              <a:ext uri="{FF2B5EF4-FFF2-40B4-BE49-F238E27FC236}">
+                <a16:creationId xmlns:a16="http://schemas.microsoft.com/office/drawing/2014/main" id="{F8BBC053-013B-B9CD-1CEC-72A2A0D0F30C}"/>
+              </a:ext>
+            </a:extLst>
+          </p:cNvPr>
+          <p:cNvSpPr txBox="1"/>
+          <p:nvPr/>
+        </p:nvSpPr>
+        <p:spPr>
+          <a:xfrm>
+            <a:off x="9593923" y="98856"/>
+            <a:ext cx="2545890" cy="769441"/>
+          </a:xfrm>
+          <a:prstGeom prst="rect">
+            <a:avLst/>
+          </a:prstGeom>
+          <a:noFill/>
+        </p:spPr>
+        <p:txBody>
+          <a:bodyPr wrap="none" rtlCol="0">
+            <a:spAutoFit/>
+          </a:bodyPr>
+          <a:lstStyle/>
+          <a:p>
+            <a:r>
+              <a:rPr lang="es-ES" sz="4400" dirty="0">
+                <a:solidFill>
+                  <a:schemeClr val="bg1"/>
+                </a:solidFill>
+                <a:latin typeface="Desdemona" pitchFamily="82" charset="77"/>
+              </a:rPr>
+              <a:t>TEST2.FAIL</a:t>
+            </a:r>
+          </a:p>
+        </p:txBody>
+      </p:sp>
+      <p:sp>
+        <p:nvSpPr>
+          <p:cNvPr id="9" name="Rectángulo redondeado 8">
+            <a:extLst>
+              <a:ext uri="{FF2B5EF4-FFF2-40B4-BE49-F238E27FC236}">
+                <a16:creationId xmlns:a16="http://schemas.microsoft.com/office/drawing/2014/main" id="{F50B74D1-D3C4-363B-6E67-387434CF9942}"/>
+              </a:ext>
+            </a:extLst>
+          </p:cNvPr>
+          <p:cNvSpPr/>
+          <p:nvPr/>
+        </p:nvSpPr>
+        <p:spPr>
+          <a:xfrm>
+            <a:off x="6985591" y="4935455"/>
+            <a:ext cx="4904958" cy="1741792"/>
+          </a:xfrm>
+          <a:prstGeom prst="roundRect">
+            <a:avLst/>
+          </a:prstGeom>
+          <a:solidFill>
+            <a:schemeClr val="bg1">
+              <a:alpha val="60224"/>
+            </a:schemeClr>
+          </a:solidFill>
+        </p:spPr>
+        <p:style>
+          <a:lnRef idx="2">
+            <a:schemeClr val="accent1">
+              <a:shade val="50000"/>
+            </a:schemeClr>
+          </a:lnRef>
+          <a:fillRef idx="1">
+            <a:schemeClr val="accent1"/>
+          </a:fillRef>
+          <a:effectRef idx="0">
+            <a:schemeClr val="accent1"/>
+          </a:effectRef>
+          <a:fontRef idx="minor">
+            <a:schemeClr val="lt1"/>
+          </a:fontRef>
+        </p:style>
+        <p:txBody>
+          <a:bodyPr rtlCol="0" anchor="ctr"/>
+          <a:lstStyle/>
+          <a:p>
+            <a:pPr algn="just"/>
+            <a:r>
+              <a:rPr lang="es-ES" sz="1400" dirty="0">
+                <a:solidFill>
+                  <a:schemeClr val="tx1">
+                    <a:lumMod val="85000"/>
+                    <a:lumOff val="15000"/>
+                  </a:schemeClr>
+                </a:solidFill>
+                <a:latin typeface="JetBrains Mono Medium" panose="02000009000000000000" pitchFamily="49" charset="0"/>
+                <a:cs typeface="JetBrains Mono Medium" panose="02000009000000000000" pitchFamily="49" charset="0"/>
+              </a:rPr>
+              <a:t>Desarrollamos lo mínimo indispensable para que nuestro Test compile. Hemos creado las clases </a:t>
+            </a:r>
+            <a:r>
+              <a:rPr lang="es-ES" sz="1400" u="sng" dirty="0" err="1">
+                <a:solidFill>
+                  <a:schemeClr val="tx1">
+                    <a:lumMod val="85000"/>
+                    <a:lumOff val="15000"/>
+                  </a:schemeClr>
+                </a:solidFill>
+                <a:latin typeface="JetBrains Mono Medium" panose="02000009000000000000" pitchFamily="49" charset="0"/>
+                <a:cs typeface="JetBrains Mono Medium" panose="02000009000000000000" pitchFamily="49" charset="0"/>
+              </a:rPr>
+              <a:t>Card</a:t>
+            </a:r>
+            <a:r>
+              <a:rPr lang="es-ES" sz="1400" dirty="0">
+                <a:solidFill>
+                  <a:schemeClr val="tx1">
+                    <a:lumMod val="85000"/>
+                    <a:lumOff val="15000"/>
+                  </a:schemeClr>
+                </a:solidFill>
+                <a:latin typeface="JetBrains Mono Medium" panose="02000009000000000000" pitchFamily="49" charset="0"/>
+                <a:cs typeface="JetBrains Mono Medium" panose="02000009000000000000" pitchFamily="49" charset="0"/>
+              </a:rPr>
+              <a:t> y </a:t>
+            </a:r>
+            <a:r>
+              <a:rPr lang="es-ES" sz="1400" u="sng" dirty="0" err="1">
+                <a:solidFill>
+                  <a:schemeClr val="tx1">
+                    <a:lumMod val="85000"/>
+                    <a:lumOff val="15000"/>
+                  </a:schemeClr>
+                </a:solidFill>
+                <a:latin typeface="JetBrains Mono Medium" panose="02000009000000000000" pitchFamily="49" charset="0"/>
+                <a:cs typeface="JetBrains Mono Medium" panose="02000009000000000000" pitchFamily="49" charset="0"/>
+              </a:rPr>
+              <a:t>Combat</a:t>
+            </a:r>
+            <a:r>
+              <a:rPr lang="es-ES" sz="1400" dirty="0">
+                <a:solidFill>
+                  <a:schemeClr val="tx1">
+                    <a:lumMod val="85000"/>
+                    <a:lumOff val="15000"/>
+                  </a:schemeClr>
+                </a:solidFill>
+                <a:latin typeface="JetBrains Mono Medium" panose="02000009000000000000" pitchFamily="49" charset="0"/>
+                <a:cs typeface="JetBrains Mono Medium" panose="02000009000000000000" pitchFamily="49" charset="0"/>
+              </a:rPr>
+              <a:t> de forma vacía y ahora tenemos un “</a:t>
+            </a:r>
+            <a:r>
+              <a:rPr lang="es-ES" sz="1400" i="1" dirty="0" err="1">
+                <a:solidFill>
+                  <a:schemeClr val="tx1">
+                    <a:lumMod val="85000"/>
+                    <a:lumOff val="15000"/>
+                  </a:schemeClr>
+                </a:solidFill>
+                <a:latin typeface="JetBrains Mono Medium" panose="02000009000000000000" pitchFamily="49" charset="0"/>
+                <a:cs typeface="JetBrains Mono Medium" panose="02000009000000000000" pitchFamily="49" charset="0"/>
+              </a:rPr>
+              <a:t>AssertFailedError</a:t>
+            </a:r>
+            <a:r>
+              <a:rPr lang="es-ES" sz="1400" i="1" dirty="0">
+                <a:solidFill>
+                  <a:schemeClr val="tx1">
+                    <a:lumMod val="85000"/>
+                    <a:lumOff val="15000"/>
+                  </a:schemeClr>
+                </a:solidFill>
+                <a:latin typeface="JetBrains Mono Medium" panose="02000009000000000000" pitchFamily="49" charset="0"/>
+                <a:cs typeface="JetBrains Mono Medium" panose="02000009000000000000" pitchFamily="49" charset="0"/>
+              </a:rPr>
+              <a:t>”</a:t>
+            </a:r>
+            <a:r>
+              <a:rPr lang="es-ES" sz="1400" dirty="0">
+                <a:solidFill>
+                  <a:schemeClr val="tx1">
+                    <a:lumMod val="85000"/>
+                    <a:lumOff val="15000"/>
+                  </a:schemeClr>
+                </a:solidFill>
+                <a:latin typeface="JetBrains Mono Medium" panose="02000009000000000000" pitchFamily="49" charset="0"/>
+                <a:cs typeface="JetBrains Mono Medium" panose="02000009000000000000" pitchFamily="49" charset="0"/>
+              </a:rPr>
+              <a:t> que nos comenta que lo devuelto no coincide con lo esperado, ya que no hemos desarrollado ningún cuerpo en las clases.</a:t>
+            </a:r>
+          </a:p>
+        </p:txBody>
+      </p:sp>
+    </p:spTree>
+    <p:extLst>
+      <p:ext uri="{BB962C8B-B14F-4D97-AF65-F5344CB8AC3E}">
+        <p14:creationId xmlns:p14="http://schemas.microsoft.com/office/powerpoint/2010/main" val="115320694"/>
       </p:ext>
     </p:extLst>
   </p:cSld>
